--- a/docs/Lecture 5.pptx
+++ b/docs/Lecture 5.pptx
@@ -5,7 +5,7 @@
     <p:sldMasterId id="2147483648" r:id="rId1"/>
   </p:sldMasterIdLst>
   <p:notesMasterIdLst>
-    <p:notesMasterId r:id="rId58"/>
+    <p:notesMasterId r:id="rId59"/>
   </p:notesMasterIdLst>
   <p:sldIdLst>
     <p:sldId id="256" r:id="rId2"/>
@@ -17,24 +17,24 @@
     <p:sldId id="278" r:id="rId8"/>
     <p:sldId id="279" r:id="rId9"/>
     <p:sldId id="280" r:id="rId10"/>
-    <p:sldId id="301" r:id="rId11"/>
-    <p:sldId id="302" r:id="rId12"/>
-    <p:sldId id="303" r:id="rId13"/>
-    <p:sldId id="304" r:id="rId14"/>
-    <p:sldId id="305" r:id="rId15"/>
-    <p:sldId id="306" r:id="rId16"/>
-    <p:sldId id="307" r:id="rId17"/>
-    <p:sldId id="308" r:id="rId18"/>
-    <p:sldId id="309" r:id="rId19"/>
-    <p:sldId id="310" r:id="rId20"/>
-    <p:sldId id="311" r:id="rId21"/>
-    <p:sldId id="312" r:id="rId22"/>
-    <p:sldId id="262" r:id="rId23"/>
-    <p:sldId id="314" r:id="rId24"/>
-    <p:sldId id="263" r:id="rId25"/>
-    <p:sldId id="264" r:id="rId26"/>
-    <p:sldId id="265" r:id="rId27"/>
-    <p:sldId id="266" r:id="rId28"/>
+    <p:sldId id="315" r:id="rId11"/>
+    <p:sldId id="301" r:id="rId12"/>
+    <p:sldId id="302" r:id="rId13"/>
+    <p:sldId id="303" r:id="rId14"/>
+    <p:sldId id="304" r:id="rId15"/>
+    <p:sldId id="305" r:id="rId16"/>
+    <p:sldId id="306" r:id="rId17"/>
+    <p:sldId id="307" r:id="rId18"/>
+    <p:sldId id="308" r:id="rId19"/>
+    <p:sldId id="309" r:id="rId20"/>
+    <p:sldId id="310" r:id="rId21"/>
+    <p:sldId id="311" r:id="rId22"/>
+    <p:sldId id="312" r:id="rId23"/>
+    <p:sldId id="262" r:id="rId24"/>
+    <p:sldId id="314" r:id="rId25"/>
+    <p:sldId id="263" r:id="rId26"/>
+    <p:sldId id="264" r:id="rId27"/>
+    <p:sldId id="265" r:id="rId28"/>
     <p:sldId id="267" r:id="rId29"/>
     <p:sldId id="268" r:id="rId30"/>
     <p:sldId id="269" r:id="rId31"/>
@@ -64,6 +64,7 @@
     <p:sldId id="295" r:id="rId55"/>
     <p:sldId id="296" r:id="rId56"/>
     <p:sldId id="297" r:id="rId57"/>
+    <p:sldId id="316" r:id="rId58"/>
   </p:sldIdLst>
   <p:sldSz cx="12192000" cy="6858000"/>
   <p:notesSz cx="6858000" cy="9144000"/>
@@ -162,6 +163,11 @@
       </a:defRPr>
     </a:lvl9pPr>
   </p:defaultTextStyle>
+  <p:extLst>
+    <p:ext uri="{EFAFB233-063F-42B5-8137-9DF3F51BA10A}">
+      <p15:sldGuideLst xmlns:p15="http://schemas.microsoft.com/office/powerpoint/2012/main"/>
+    </p:ext>
+  </p:extLst>
 </p:presentation>
 </file>
 
@@ -247,7 +253,7 @@
           <a:p>
             <a:fld id="{155D436E-E1A1-47B8-800E-D07AE1BDF9D1}" type="datetimeFigureOut">
               <a:rPr lang="en-US" smtClean="0"/>
-              <a:t>11/7/2024</a:t>
+              <a:t>11/8/2024</a:t>
             </a:fld>
             <a:endParaRPr lang="en-US"/>
           </a:p>
@@ -603,6 +609,110 @@
   <p:cSld>
     <p:spTree>
       <p:nvGrpSpPr>
+        <p:cNvPr id="1" name="Shape 121"/>
+        <p:cNvGrpSpPr/>
+        <p:nvPr/>
+      </p:nvGrpSpPr>
+      <p:grpSpPr>
+        <a:xfrm>
+          <a:off x="0" y="0"/>
+          <a:ext cx="0" cy="0"/>
+          <a:chOff x="0" y="0"/>
+          <a:chExt cx="0" cy="0"/>
+        </a:xfrm>
+      </p:grpSpPr>
+      <p:sp>
+        <p:nvSpPr>
+          <p:cNvPr id="122" name="Google Shape;122;ga433d2ff80_0_143:notes"/>
+          <p:cNvSpPr>
+            <a:spLocks noGrp="1" noRot="1" noChangeAspect="1"/>
+          </p:cNvSpPr>
+          <p:nvPr>
+            <p:ph type="sldImg" idx="2"/>
+          </p:nvPr>
+        </p:nvSpPr>
+        <p:spPr>
+          <a:xfrm>
+            <a:off x="381300" y="685800"/>
+            <a:ext cx="6096000" cy="3429000"/>
+          </a:xfrm>
+          <a:custGeom>
+            <a:avLst/>
+            <a:gdLst/>
+            <a:ahLst/>
+            <a:cxnLst/>
+            <a:rect l="l" t="t" r="r" b="b"/>
+            <a:pathLst>
+              <a:path w="120000" h="120000" extrusionOk="0">
+                <a:moveTo>
+                  <a:pt x="0" y="0"/>
+                </a:moveTo>
+                <a:lnTo>
+                  <a:pt x="120000" y="0"/>
+                </a:lnTo>
+                <a:lnTo>
+                  <a:pt x="120000" y="120000"/>
+                </a:lnTo>
+                <a:lnTo>
+                  <a:pt x="0" y="120000"/>
+                </a:lnTo>
+                <a:close/>
+              </a:path>
+            </a:pathLst>
+          </a:custGeom>
+        </p:spPr>
+      </p:sp>
+      <p:sp>
+        <p:nvSpPr>
+          <p:cNvPr id="123" name="Google Shape;123;ga433d2ff80_0_143:notes"/>
+          <p:cNvSpPr txBox="1">
+            <a:spLocks noGrp="1"/>
+          </p:cNvSpPr>
+          <p:nvPr>
+            <p:ph type="body" idx="1"/>
+          </p:nvPr>
+        </p:nvSpPr>
+        <p:spPr>
+          <a:xfrm>
+            <a:off x="685800" y="4343400"/>
+            <a:ext cx="5486400" cy="4114800"/>
+          </a:xfrm>
+          <a:prstGeom prst="rect">
+            <a:avLst/>
+          </a:prstGeom>
+        </p:spPr>
+        <p:txBody>
+          <a:bodyPr spcFirstLastPara="1" wrap="square" lIns="91425" tIns="91425" rIns="91425" bIns="91425" anchor="t" anchorCtr="0">
+            <a:noAutofit/>
+          </a:bodyPr>
+          <a:lstStyle/>
+          <a:p>
+            <a:pPr marL="0" lvl="0" indent="0" algn="l" rtl="0">
+              <a:spcBef>
+                <a:spcPts val="0"/>
+              </a:spcBef>
+              <a:spcAft>
+                <a:spcPts val="0"/>
+              </a:spcAft>
+              <a:buNone/>
+            </a:pPr>
+            <a:endParaRPr/>
+          </a:p>
+        </p:txBody>
+      </p:sp>
+    </p:spTree>
+  </p:cSld>
+  <p:clrMapOvr>
+    <a:masterClrMapping/>
+  </p:clrMapOvr>
+</p:notes>
+</file>
+
+<file path=ppt/notesSlides/notesSlide11.xml><?xml version="1.0" encoding="utf-8"?>
+<p:notes xmlns:a="http://schemas.openxmlformats.org/drawingml/2006/main" xmlns:r="http://schemas.openxmlformats.org/officeDocument/2006/relationships" xmlns:p="http://schemas.openxmlformats.org/presentationml/2006/main" showMasterSp="0" showMasterPhAnim="0">
+  <p:cSld>
+    <p:spTree>
+      <p:nvGrpSpPr>
         <p:cNvPr id="1" name="Shape 127"/>
         <p:cNvGrpSpPr/>
         <p:nvPr/>
@@ -702,7 +812,7 @@
 </p:notes>
 </file>
 
-<file path=ppt/notesSlides/notesSlide11.xml><?xml version="1.0" encoding="utf-8"?>
+<file path=ppt/notesSlides/notesSlide12.xml><?xml version="1.0" encoding="utf-8"?>
 <p:notes xmlns:a="http://schemas.openxmlformats.org/drawingml/2006/main" xmlns:r="http://schemas.openxmlformats.org/officeDocument/2006/relationships" xmlns:p="http://schemas.openxmlformats.org/presentationml/2006/main" showMasterSp="0" showMasterPhAnim="0">
   <p:cSld>
     <p:spTree>
@@ -722,6 +832,214 @@
       <p:sp>
         <p:nvSpPr>
           <p:cNvPr id="133" name="Google Shape;133;ga433d2ff80_0_157:notes"/>
+          <p:cNvSpPr>
+            <a:spLocks noGrp="1" noRot="1" noChangeAspect="1"/>
+          </p:cNvSpPr>
+          <p:nvPr>
+            <p:ph type="sldImg" idx="2"/>
+          </p:nvPr>
+        </p:nvSpPr>
+        <p:spPr>
+          <a:xfrm>
+            <a:off x="381000" y="685800"/>
+            <a:ext cx="6096000" cy="3429000"/>
+          </a:xfrm>
+          <a:custGeom>
+            <a:avLst/>
+            <a:gdLst/>
+            <a:ahLst/>
+            <a:cxnLst/>
+            <a:rect l="l" t="t" r="r" b="b"/>
+            <a:pathLst>
+              <a:path w="120000" h="120000" extrusionOk="0">
+                <a:moveTo>
+                  <a:pt x="0" y="0"/>
+                </a:moveTo>
+                <a:lnTo>
+                  <a:pt x="120000" y="0"/>
+                </a:lnTo>
+                <a:lnTo>
+                  <a:pt x="120000" y="120000"/>
+                </a:lnTo>
+                <a:lnTo>
+                  <a:pt x="0" y="120000"/>
+                </a:lnTo>
+                <a:close/>
+              </a:path>
+            </a:pathLst>
+          </a:custGeom>
+        </p:spPr>
+      </p:sp>
+      <p:sp>
+        <p:nvSpPr>
+          <p:cNvPr id="134" name="Google Shape;134;ga433d2ff80_0_157:notes"/>
+          <p:cNvSpPr txBox="1">
+            <a:spLocks noGrp="1"/>
+          </p:cNvSpPr>
+          <p:nvPr>
+            <p:ph type="body" idx="1"/>
+          </p:nvPr>
+        </p:nvSpPr>
+        <p:spPr>
+          <a:xfrm>
+            <a:off x="685800" y="4343400"/>
+            <a:ext cx="5486400" cy="4114800"/>
+          </a:xfrm>
+          <a:prstGeom prst="rect">
+            <a:avLst/>
+          </a:prstGeom>
+        </p:spPr>
+        <p:txBody>
+          <a:bodyPr spcFirstLastPara="1" wrap="square" lIns="91425" tIns="91425" rIns="91425" bIns="91425" anchor="t" anchorCtr="0">
+            <a:noAutofit/>
+          </a:bodyPr>
+          <a:lstStyle/>
+          <a:p>
+            <a:pPr marL="0" lvl="0" indent="0" algn="l" rtl="0">
+              <a:spcBef>
+                <a:spcPts val="0"/>
+              </a:spcBef>
+              <a:spcAft>
+                <a:spcPts val="0"/>
+              </a:spcAft>
+              <a:buNone/>
+            </a:pPr>
+            <a:endParaRPr/>
+          </a:p>
+        </p:txBody>
+      </p:sp>
+    </p:spTree>
+  </p:cSld>
+  <p:clrMapOvr>
+    <a:masterClrMapping/>
+  </p:clrMapOvr>
+</p:notes>
+</file>
+
+<file path=ppt/notesSlides/notesSlide13.xml><?xml version="1.0" encoding="utf-8"?>
+<p:notes xmlns:a="http://schemas.openxmlformats.org/drawingml/2006/main" xmlns:r="http://schemas.openxmlformats.org/officeDocument/2006/relationships" xmlns:p="http://schemas.openxmlformats.org/presentationml/2006/main" showMasterSp="0" showMasterPhAnim="0">
+  <p:cSld>
+    <p:spTree>
+      <p:nvGrpSpPr>
+        <p:cNvPr id="1" name="Shape 138"/>
+        <p:cNvGrpSpPr/>
+        <p:nvPr/>
+      </p:nvGrpSpPr>
+      <p:grpSpPr>
+        <a:xfrm>
+          <a:off x="0" y="0"/>
+          <a:ext cx="0" cy="0"/>
+          <a:chOff x="0" y="0"/>
+          <a:chExt cx="0" cy="0"/>
+        </a:xfrm>
+      </p:grpSpPr>
+      <p:sp>
+        <p:nvSpPr>
+          <p:cNvPr id="139" name="Google Shape;139;ga44c359e36_0_0:notes"/>
+          <p:cNvSpPr>
+            <a:spLocks noGrp="1" noRot="1" noChangeAspect="1"/>
+          </p:cNvSpPr>
+          <p:nvPr>
+            <p:ph type="sldImg" idx="2"/>
+          </p:nvPr>
+        </p:nvSpPr>
+        <p:spPr>
+          <a:xfrm>
+            <a:off x="381000" y="685800"/>
+            <a:ext cx="6096000" cy="3429000"/>
+          </a:xfrm>
+          <a:custGeom>
+            <a:avLst/>
+            <a:gdLst/>
+            <a:ahLst/>
+            <a:cxnLst/>
+            <a:rect l="l" t="t" r="r" b="b"/>
+            <a:pathLst>
+              <a:path w="120000" h="120000" extrusionOk="0">
+                <a:moveTo>
+                  <a:pt x="0" y="0"/>
+                </a:moveTo>
+                <a:lnTo>
+                  <a:pt x="120000" y="0"/>
+                </a:lnTo>
+                <a:lnTo>
+                  <a:pt x="120000" y="120000"/>
+                </a:lnTo>
+                <a:lnTo>
+                  <a:pt x="0" y="120000"/>
+                </a:lnTo>
+                <a:close/>
+              </a:path>
+            </a:pathLst>
+          </a:custGeom>
+        </p:spPr>
+      </p:sp>
+      <p:sp>
+        <p:nvSpPr>
+          <p:cNvPr id="140" name="Google Shape;140;ga44c359e36_0_0:notes"/>
+          <p:cNvSpPr txBox="1">
+            <a:spLocks noGrp="1"/>
+          </p:cNvSpPr>
+          <p:nvPr>
+            <p:ph type="body" idx="1"/>
+          </p:nvPr>
+        </p:nvSpPr>
+        <p:spPr>
+          <a:xfrm>
+            <a:off x="685800" y="4343400"/>
+            <a:ext cx="5486400" cy="4114800"/>
+          </a:xfrm>
+          <a:prstGeom prst="rect">
+            <a:avLst/>
+          </a:prstGeom>
+        </p:spPr>
+        <p:txBody>
+          <a:bodyPr spcFirstLastPara="1" wrap="square" lIns="91425" tIns="91425" rIns="91425" bIns="91425" anchor="t" anchorCtr="0">
+            <a:noAutofit/>
+          </a:bodyPr>
+          <a:lstStyle/>
+          <a:p>
+            <a:pPr marL="0" lvl="0" indent="0" algn="l" rtl="0">
+              <a:spcBef>
+                <a:spcPts val="0"/>
+              </a:spcBef>
+              <a:spcAft>
+                <a:spcPts val="0"/>
+              </a:spcAft>
+              <a:buNone/>
+            </a:pPr>
+            <a:endParaRPr/>
+          </a:p>
+        </p:txBody>
+      </p:sp>
+    </p:spTree>
+  </p:cSld>
+  <p:clrMapOvr>
+    <a:masterClrMapping/>
+  </p:clrMapOvr>
+</p:notes>
+</file>
+
+<file path=ppt/notesSlides/notesSlide14.xml><?xml version="1.0" encoding="utf-8"?>
+<p:notes xmlns:a="http://schemas.openxmlformats.org/drawingml/2006/main" xmlns:r="http://schemas.openxmlformats.org/officeDocument/2006/relationships" xmlns:p="http://schemas.openxmlformats.org/presentationml/2006/main" showMasterSp="0" showMasterPhAnim="0">
+  <p:cSld>
+    <p:spTree>
+      <p:nvGrpSpPr>
+        <p:cNvPr id="1" name="Shape 144"/>
+        <p:cNvGrpSpPr/>
+        <p:nvPr/>
+      </p:nvGrpSpPr>
+      <p:grpSpPr>
+        <a:xfrm>
+          <a:off x="0" y="0"/>
+          <a:ext cx="0" cy="0"/>
+          <a:chOff x="0" y="0"/>
+          <a:chExt cx="0" cy="0"/>
+        </a:xfrm>
+      </p:grpSpPr>
+      <p:sp>
+        <p:nvSpPr>
+          <p:cNvPr id="145" name="Google Shape;145;ga44c359e36_0_5:notes"/>
           <p:cNvSpPr>
             <a:spLocks noGrp="1" noRot="1" noChangeAspect="1"/>
           </p:cNvSpPr>
@@ -762,7 +1080,7 @@
       </p:sp>
       <p:sp>
         <p:nvSpPr>
-          <p:cNvPr id="134" name="Google Shape;134;ga433d2ff80_0_157:notes"/>
+          <p:cNvPr id="146" name="Google Shape;146;ga44c359e36_0_5:notes"/>
           <p:cNvSpPr txBox="1">
             <a:spLocks noGrp="1"/>
           </p:cNvSpPr>
@@ -806,12 +1124,12 @@
 </p:notes>
 </file>
 
-<file path=ppt/notesSlides/notesSlide12.xml><?xml version="1.0" encoding="utf-8"?>
-<p:notes xmlns:a="http://schemas.openxmlformats.org/drawingml/2006/main" xmlns:r="http://schemas.openxmlformats.org/officeDocument/2006/relationships" xmlns:p="http://schemas.openxmlformats.org/presentationml/2006/main" showMasterSp="0" showMasterPhAnim="0">
+<file path=ppt/notesSlides/notesSlide15.xml><?xml version="1.0" encoding="utf-8"?>
+<p:notes xmlns:a="http://schemas.openxmlformats.org/drawingml/2006/main" xmlns:r="http://schemas.openxmlformats.org/officeDocument/2006/relationships" xmlns:p="http://schemas.openxmlformats.org/presentationml/2006/main">
   <p:cSld>
     <p:spTree>
       <p:nvGrpSpPr>
-        <p:cNvPr id="1" name="Shape 138"/>
+        <p:cNvPr id="1" name=""/>
         <p:cNvGrpSpPr/>
         <p:nvPr/>
       </p:nvGrpSpPr>
@@ -825,7 +1143,175 @@
       </p:grpSpPr>
       <p:sp>
         <p:nvSpPr>
-          <p:cNvPr id="139" name="Google Shape;139;ga44c359e36_0_0:notes"/>
+          <p:cNvPr id="2" name="Slide Image Placeholder 1"/>
+          <p:cNvSpPr>
+            <a:spLocks noGrp="1" noRot="1" noChangeAspect="1"/>
+          </p:cNvSpPr>
+          <p:nvPr>
+            <p:ph type="sldImg"/>
+          </p:nvPr>
+        </p:nvSpPr>
+        <p:spPr/>
+      </p:sp>
+      <p:sp>
+        <p:nvSpPr>
+          <p:cNvPr id="3" name="Notes Placeholder 2"/>
+          <p:cNvSpPr>
+            <a:spLocks noGrp="1"/>
+          </p:cNvSpPr>
+          <p:nvPr>
+            <p:ph type="body" idx="1"/>
+          </p:nvPr>
+        </p:nvSpPr>
+        <p:spPr/>
+        <p:txBody>
+          <a:bodyPr/>
+          <a:lstStyle/>
+          <a:p>
+            <a:endParaRPr lang="en-US" dirty="0"/>
+          </a:p>
+        </p:txBody>
+      </p:sp>
+      <p:sp>
+        <p:nvSpPr>
+          <p:cNvPr id="4" name="Slide Number Placeholder 3"/>
+          <p:cNvSpPr>
+            <a:spLocks noGrp="1"/>
+          </p:cNvSpPr>
+          <p:nvPr>
+            <p:ph type="sldNum" sz="quarter" idx="5"/>
+          </p:nvPr>
+        </p:nvSpPr>
+        <p:spPr/>
+        <p:txBody>
+          <a:bodyPr/>
+          <a:lstStyle/>
+          <a:p>
+            <a:fld id="{37DCB840-F2B6-4E34-82D1-2D71BF62F4C9}" type="slidenum">
+              <a:rPr lang="en-US" smtClean="0"/>
+              <a:t>57</a:t>
+            </a:fld>
+            <a:endParaRPr lang="en-US"/>
+          </a:p>
+        </p:txBody>
+      </p:sp>
+    </p:spTree>
+    <p:extLst>
+      <p:ext uri="{BB962C8B-B14F-4D97-AF65-F5344CB8AC3E}">
+        <p14:creationId xmlns:p14="http://schemas.microsoft.com/office/powerpoint/2010/main" val="828646965"/>
+      </p:ext>
+    </p:extLst>
+  </p:cSld>
+  <p:clrMapOvr>
+    <a:masterClrMapping/>
+  </p:clrMapOvr>
+</p:notes>
+</file>
+
+<file path=ppt/notesSlides/notesSlide2.xml><?xml version="1.0" encoding="utf-8"?>
+<p:notes xmlns:a="http://schemas.openxmlformats.org/drawingml/2006/main" xmlns:r="http://schemas.openxmlformats.org/officeDocument/2006/relationships" xmlns:p="http://schemas.openxmlformats.org/presentationml/2006/main">
+  <p:cSld>
+    <p:spTree>
+      <p:nvGrpSpPr>
+        <p:cNvPr id="1" name=""/>
+        <p:cNvGrpSpPr/>
+        <p:nvPr/>
+      </p:nvGrpSpPr>
+      <p:grpSpPr>
+        <a:xfrm>
+          <a:off x="0" y="0"/>
+          <a:ext cx="0" cy="0"/>
+          <a:chOff x="0" y="0"/>
+          <a:chExt cx="0" cy="0"/>
+        </a:xfrm>
+      </p:grpSpPr>
+      <p:sp>
+        <p:nvSpPr>
+          <p:cNvPr id="2" name="Slide Image Placeholder 1"/>
+          <p:cNvSpPr>
+            <a:spLocks noGrp="1" noRot="1" noChangeAspect="1"/>
+          </p:cNvSpPr>
+          <p:nvPr>
+            <p:ph type="sldImg"/>
+          </p:nvPr>
+        </p:nvSpPr>
+        <p:spPr/>
+      </p:sp>
+      <p:sp>
+        <p:nvSpPr>
+          <p:cNvPr id="3" name="Notes Placeholder 2"/>
+          <p:cNvSpPr>
+            <a:spLocks noGrp="1"/>
+          </p:cNvSpPr>
+          <p:nvPr>
+            <p:ph type="body" idx="1"/>
+          </p:nvPr>
+        </p:nvSpPr>
+        <p:spPr/>
+        <p:txBody>
+          <a:bodyPr/>
+          <a:lstStyle/>
+          <a:p>
+            <a:endParaRPr lang="en-US" dirty="0"/>
+          </a:p>
+        </p:txBody>
+      </p:sp>
+      <p:sp>
+        <p:nvSpPr>
+          <p:cNvPr id="4" name="Slide Number Placeholder 3"/>
+          <p:cNvSpPr>
+            <a:spLocks noGrp="1"/>
+          </p:cNvSpPr>
+          <p:nvPr>
+            <p:ph type="sldNum" sz="quarter" idx="5"/>
+          </p:nvPr>
+        </p:nvSpPr>
+        <p:spPr/>
+        <p:txBody>
+          <a:bodyPr/>
+          <a:lstStyle/>
+          <a:p>
+            <a:fld id="{37DCB840-F2B6-4E34-82D1-2D71BF62F4C9}" type="slidenum">
+              <a:rPr lang="en-US" smtClean="0"/>
+              <a:t>10</a:t>
+            </a:fld>
+            <a:endParaRPr lang="en-US"/>
+          </a:p>
+        </p:txBody>
+      </p:sp>
+    </p:spTree>
+    <p:extLst>
+      <p:ext uri="{BB962C8B-B14F-4D97-AF65-F5344CB8AC3E}">
+        <p14:creationId xmlns:p14="http://schemas.microsoft.com/office/powerpoint/2010/main" val="3850238425"/>
+      </p:ext>
+    </p:extLst>
+  </p:cSld>
+  <p:clrMapOvr>
+    <a:masterClrMapping/>
+  </p:clrMapOvr>
+</p:notes>
+</file>
+
+<file path=ppt/notesSlides/notesSlide3.xml><?xml version="1.0" encoding="utf-8"?>
+<p:notes xmlns:a="http://schemas.openxmlformats.org/drawingml/2006/main" xmlns:r="http://schemas.openxmlformats.org/officeDocument/2006/relationships" xmlns:p="http://schemas.openxmlformats.org/presentationml/2006/main" showMasterSp="0" showMasterPhAnim="0">
+  <p:cSld>
+    <p:spTree>
+      <p:nvGrpSpPr>
+        <p:cNvPr id="1" name="Shape 81"/>
+        <p:cNvGrpSpPr/>
+        <p:nvPr/>
+      </p:nvGrpSpPr>
+      <p:grpSpPr>
+        <a:xfrm>
+          <a:off x="0" y="0"/>
+          <a:ext cx="0" cy="0"/>
+          <a:chOff x="0" y="0"/>
+          <a:chExt cx="0" cy="0"/>
+        </a:xfrm>
+      </p:grpSpPr>
+      <p:sp>
+        <p:nvSpPr>
+          <p:cNvPr id="82" name="Google Shape;82;ga433d2ff80_0_162:notes"/>
           <p:cNvSpPr>
             <a:spLocks noGrp="1" noRot="1" noChangeAspect="1"/>
           </p:cNvSpPr>
@@ -866,7 +1352,7 @@
       </p:sp>
       <p:sp>
         <p:nvSpPr>
-          <p:cNvPr id="140" name="Google Shape;140;ga44c359e36_0_0:notes"/>
+          <p:cNvPr id="83" name="Google Shape;83;ga433d2ff80_0_162:notes"/>
           <p:cNvSpPr txBox="1">
             <a:spLocks noGrp="1"/>
           </p:cNvSpPr>
@@ -910,12 +1396,12 @@
 </p:notes>
 </file>
 
-<file path=ppt/notesSlides/notesSlide13.xml><?xml version="1.0" encoding="utf-8"?>
+<file path=ppt/notesSlides/notesSlide4.xml><?xml version="1.0" encoding="utf-8"?>
 <p:notes xmlns:a="http://schemas.openxmlformats.org/drawingml/2006/main" xmlns:r="http://schemas.openxmlformats.org/officeDocument/2006/relationships" xmlns:p="http://schemas.openxmlformats.org/presentationml/2006/main" showMasterSp="0" showMasterPhAnim="0">
   <p:cSld>
     <p:spTree>
       <p:nvGrpSpPr>
-        <p:cNvPr id="1" name="Shape 144"/>
+        <p:cNvPr id="1" name="Shape 87"/>
         <p:cNvGrpSpPr/>
         <p:nvPr/>
       </p:nvGrpSpPr>
@@ -929,7 +1415,7 @@
       </p:grpSpPr>
       <p:sp>
         <p:nvSpPr>
-          <p:cNvPr id="145" name="Google Shape;145;ga44c359e36_0_5:notes"/>
+          <p:cNvPr id="88" name="Google Shape;88;ga44c359e36_0_23:notes"/>
           <p:cNvSpPr>
             <a:spLocks noGrp="1" noRot="1" noChangeAspect="1"/>
           </p:cNvSpPr>
@@ -970,7 +1456,7 @@
       </p:sp>
       <p:sp>
         <p:nvSpPr>
-          <p:cNvPr id="146" name="Google Shape;146;ga44c359e36_0_5:notes"/>
+          <p:cNvPr id="89" name="Google Shape;89;ga44c359e36_0_23:notes"/>
           <p:cNvSpPr txBox="1">
             <a:spLocks noGrp="1"/>
           </p:cNvSpPr>
@@ -1014,12 +1500,12 @@
 </p:notes>
 </file>
 
-<file path=ppt/notesSlides/notesSlide2.xml><?xml version="1.0" encoding="utf-8"?>
+<file path=ppt/notesSlides/notesSlide5.xml><?xml version="1.0" encoding="utf-8"?>
 <p:notes xmlns:a="http://schemas.openxmlformats.org/drawingml/2006/main" xmlns:r="http://schemas.openxmlformats.org/officeDocument/2006/relationships" xmlns:p="http://schemas.openxmlformats.org/presentationml/2006/main" showMasterSp="0" showMasterPhAnim="0">
   <p:cSld>
     <p:spTree>
       <p:nvGrpSpPr>
-        <p:cNvPr id="1" name="Shape 81"/>
+        <p:cNvPr id="1" name="Shape 93"/>
         <p:cNvGrpSpPr/>
         <p:nvPr/>
       </p:nvGrpSpPr>
@@ -1033,7 +1519,319 @@
       </p:grpSpPr>
       <p:sp>
         <p:nvSpPr>
-          <p:cNvPr id="82" name="Google Shape;82;ga433d2ff80_0_162:notes"/>
+          <p:cNvPr id="94" name="Google Shape;94;ga433d2ff80_0_177:notes"/>
+          <p:cNvSpPr>
+            <a:spLocks noGrp="1" noRot="1" noChangeAspect="1"/>
+          </p:cNvSpPr>
+          <p:nvPr>
+            <p:ph type="sldImg" idx="2"/>
+          </p:nvPr>
+        </p:nvSpPr>
+        <p:spPr>
+          <a:xfrm>
+            <a:off x="381000" y="685800"/>
+            <a:ext cx="6096000" cy="3429000"/>
+          </a:xfrm>
+          <a:custGeom>
+            <a:avLst/>
+            <a:gdLst/>
+            <a:ahLst/>
+            <a:cxnLst/>
+            <a:rect l="l" t="t" r="r" b="b"/>
+            <a:pathLst>
+              <a:path w="120000" h="120000" extrusionOk="0">
+                <a:moveTo>
+                  <a:pt x="0" y="0"/>
+                </a:moveTo>
+                <a:lnTo>
+                  <a:pt x="120000" y="0"/>
+                </a:lnTo>
+                <a:lnTo>
+                  <a:pt x="120000" y="120000"/>
+                </a:lnTo>
+                <a:lnTo>
+                  <a:pt x="0" y="120000"/>
+                </a:lnTo>
+                <a:close/>
+              </a:path>
+            </a:pathLst>
+          </a:custGeom>
+        </p:spPr>
+      </p:sp>
+      <p:sp>
+        <p:nvSpPr>
+          <p:cNvPr id="95" name="Google Shape;95;ga433d2ff80_0_177:notes"/>
+          <p:cNvSpPr txBox="1">
+            <a:spLocks noGrp="1"/>
+          </p:cNvSpPr>
+          <p:nvPr>
+            <p:ph type="body" idx="1"/>
+          </p:nvPr>
+        </p:nvSpPr>
+        <p:spPr>
+          <a:xfrm>
+            <a:off x="685800" y="4343400"/>
+            <a:ext cx="5486400" cy="4114800"/>
+          </a:xfrm>
+          <a:prstGeom prst="rect">
+            <a:avLst/>
+          </a:prstGeom>
+        </p:spPr>
+        <p:txBody>
+          <a:bodyPr spcFirstLastPara="1" wrap="square" lIns="91425" tIns="91425" rIns="91425" bIns="91425" anchor="t" anchorCtr="0">
+            <a:noAutofit/>
+          </a:bodyPr>
+          <a:lstStyle/>
+          <a:p>
+            <a:pPr marL="0" lvl="0" indent="0" algn="l" rtl="0">
+              <a:spcBef>
+                <a:spcPts val="0"/>
+              </a:spcBef>
+              <a:spcAft>
+                <a:spcPts val="0"/>
+              </a:spcAft>
+              <a:buNone/>
+            </a:pPr>
+            <a:endParaRPr/>
+          </a:p>
+        </p:txBody>
+      </p:sp>
+    </p:spTree>
+  </p:cSld>
+  <p:clrMapOvr>
+    <a:masterClrMapping/>
+  </p:clrMapOvr>
+</p:notes>
+</file>
+
+<file path=ppt/notesSlides/notesSlide6.xml><?xml version="1.0" encoding="utf-8"?>
+<p:notes xmlns:a="http://schemas.openxmlformats.org/drawingml/2006/main" xmlns:r="http://schemas.openxmlformats.org/officeDocument/2006/relationships" xmlns:p="http://schemas.openxmlformats.org/presentationml/2006/main" showMasterSp="0" showMasterPhAnim="0">
+  <p:cSld>
+    <p:spTree>
+      <p:nvGrpSpPr>
+        <p:cNvPr id="1" name="Shape 99"/>
+        <p:cNvGrpSpPr/>
+        <p:nvPr/>
+      </p:nvGrpSpPr>
+      <p:grpSpPr>
+        <a:xfrm>
+          <a:off x="0" y="0"/>
+          <a:ext cx="0" cy="0"/>
+          <a:chOff x="0" y="0"/>
+          <a:chExt cx="0" cy="0"/>
+        </a:xfrm>
+      </p:grpSpPr>
+      <p:sp>
+        <p:nvSpPr>
+          <p:cNvPr id="100" name="Google Shape;100;ga433d2ff80_0_189:notes"/>
+          <p:cNvSpPr>
+            <a:spLocks noGrp="1" noRot="1" noChangeAspect="1"/>
+          </p:cNvSpPr>
+          <p:nvPr>
+            <p:ph type="sldImg" idx="2"/>
+          </p:nvPr>
+        </p:nvSpPr>
+        <p:spPr>
+          <a:xfrm>
+            <a:off x="381000" y="685800"/>
+            <a:ext cx="6096000" cy="3429000"/>
+          </a:xfrm>
+          <a:custGeom>
+            <a:avLst/>
+            <a:gdLst/>
+            <a:ahLst/>
+            <a:cxnLst/>
+            <a:rect l="l" t="t" r="r" b="b"/>
+            <a:pathLst>
+              <a:path w="120000" h="120000" extrusionOk="0">
+                <a:moveTo>
+                  <a:pt x="0" y="0"/>
+                </a:moveTo>
+                <a:lnTo>
+                  <a:pt x="120000" y="0"/>
+                </a:lnTo>
+                <a:lnTo>
+                  <a:pt x="120000" y="120000"/>
+                </a:lnTo>
+                <a:lnTo>
+                  <a:pt x="0" y="120000"/>
+                </a:lnTo>
+                <a:close/>
+              </a:path>
+            </a:pathLst>
+          </a:custGeom>
+        </p:spPr>
+      </p:sp>
+      <p:sp>
+        <p:nvSpPr>
+          <p:cNvPr id="101" name="Google Shape;101;ga433d2ff80_0_189:notes"/>
+          <p:cNvSpPr txBox="1">
+            <a:spLocks noGrp="1"/>
+          </p:cNvSpPr>
+          <p:nvPr>
+            <p:ph type="body" idx="1"/>
+          </p:nvPr>
+        </p:nvSpPr>
+        <p:spPr>
+          <a:xfrm>
+            <a:off x="685800" y="4343400"/>
+            <a:ext cx="5486400" cy="4114800"/>
+          </a:xfrm>
+          <a:prstGeom prst="rect">
+            <a:avLst/>
+          </a:prstGeom>
+        </p:spPr>
+        <p:txBody>
+          <a:bodyPr spcFirstLastPara="1" wrap="square" lIns="91425" tIns="91425" rIns="91425" bIns="91425" anchor="t" anchorCtr="0">
+            <a:noAutofit/>
+          </a:bodyPr>
+          <a:lstStyle/>
+          <a:p>
+            <a:pPr marL="0" lvl="0" indent="0" algn="l" rtl="0">
+              <a:spcBef>
+                <a:spcPts val="0"/>
+              </a:spcBef>
+              <a:spcAft>
+                <a:spcPts val="0"/>
+              </a:spcAft>
+              <a:buNone/>
+            </a:pPr>
+            <a:endParaRPr/>
+          </a:p>
+        </p:txBody>
+      </p:sp>
+    </p:spTree>
+  </p:cSld>
+  <p:clrMapOvr>
+    <a:masterClrMapping/>
+  </p:clrMapOvr>
+</p:notes>
+</file>
+
+<file path=ppt/notesSlides/notesSlide7.xml><?xml version="1.0" encoding="utf-8"?>
+<p:notes xmlns:a="http://schemas.openxmlformats.org/drawingml/2006/main" xmlns:r="http://schemas.openxmlformats.org/officeDocument/2006/relationships" xmlns:p="http://schemas.openxmlformats.org/presentationml/2006/main" showMasterSp="0" showMasterPhAnim="0">
+  <p:cSld>
+    <p:spTree>
+      <p:nvGrpSpPr>
+        <p:cNvPr id="1" name="Shape 105"/>
+        <p:cNvGrpSpPr/>
+        <p:nvPr/>
+      </p:nvGrpSpPr>
+      <p:grpSpPr>
+        <a:xfrm>
+          <a:off x="0" y="0"/>
+          <a:ext cx="0" cy="0"/>
+          <a:chOff x="0" y="0"/>
+          <a:chExt cx="0" cy="0"/>
+        </a:xfrm>
+      </p:grpSpPr>
+      <p:sp>
+        <p:nvSpPr>
+          <p:cNvPr id="106" name="Google Shape;106;ga433d2ff80_0_197:notes"/>
+          <p:cNvSpPr>
+            <a:spLocks noGrp="1" noRot="1" noChangeAspect="1"/>
+          </p:cNvSpPr>
+          <p:nvPr>
+            <p:ph type="sldImg" idx="2"/>
+          </p:nvPr>
+        </p:nvSpPr>
+        <p:spPr>
+          <a:xfrm>
+            <a:off x="381000" y="685800"/>
+            <a:ext cx="6096000" cy="3429000"/>
+          </a:xfrm>
+          <a:custGeom>
+            <a:avLst/>
+            <a:gdLst/>
+            <a:ahLst/>
+            <a:cxnLst/>
+            <a:rect l="l" t="t" r="r" b="b"/>
+            <a:pathLst>
+              <a:path w="120000" h="120000" extrusionOk="0">
+                <a:moveTo>
+                  <a:pt x="0" y="0"/>
+                </a:moveTo>
+                <a:lnTo>
+                  <a:pt x="120000" y="0"/>
+                </a:lnTo>
+                <a:lnTo>
+                  <a:pt x="120000" y="120000"/>
+                </a:lnTo>
+                <a:lnTo>
+                  <a:pt x="0" y="120000"/>
+                </a:lnTo>
+                <a:close/>
+              </a:path>
+            </a:pathLst>
+          </a:custGeom>
+        </p:spPr>
+      </p:sp>
+      <p:sp>
+        <p:nvSpPr>
+          <p:cNvPr id="107" name="Google Shape;107;ga433d2ff80_0_197:notes"/>
+          <p:cNvSpPr txBox="1">
+            <a:spLocks noGrp="1"/>
+          </p:cNvSpPr>
+          <p:nvPr>
+            <p:ph type="body" idx="1"/>
+          </p:nvPr>
+        </p:nvSpPr>
+        <p:spPr>
+          <a:xfrm>
+            <a:off x="685800" y="4343400"/>
+            <a:ext cx="5486400" cy="4114800"/>
+          </a:xfrm>
+          <a:prstGeom prst="rect">
+            <a:avLst/>
+          </a:prstGeom>
+        </p:spPr>
+        <p:txBody>
+          <a:bodyPr spcFirstLastPara="1" wrap="square" lIns="91425" tIns="91425" rIns="91425" bIns="91425" anchor="t" anchorCtr="0">
+            <a:noAutofit/>
+          </a:bodyPr>
+          <a:lstStyle/>
+          <a:p>
+            <a:pPr marL="0" lvl="0" indent="0" algn="l" rtl="0">
+              <a:spcBef>
+                <a:spcPts val="0"/>
+              </a:spcBef>
+              <a:spcAft>
+                <a:spcPts val="0"/>
+              </a:spcAft>
+              <a:buNone/>
+            </a:pPr>
+            <a:endParaRPr/>
+          </a:p>
+        </p:txBody>
+      </p:sp>
+    </p:spTree>
+  </p:cSld>
+  <p:clrMapOvr>
+    <a:masterClrMapping/>
+  </p:clrMapOvr>
+</p:notes>
+</file>
+
+<file path=ppt/notesSlides/notesSlide8.xml><?xml version="1.0" encoding="utf-8"?>
+<p:notes xmlns:a="http://schemas.openxmlformats.org/drawingml/2006/main" xmlns:r="http://schemas.openxmlformats.org/officeDocument/2006/relationships" xmlns:p="http://schemas.openxmlformats.org/presentationml/2006/main" showMasterSp="0" showMasterPhAnim="0">
+  <p:cSld>
+    <p:spTree>
+      <p:nvGrpSpPr>
+        <p:cNvPr id="1" name="Shape 110"/>
+        <p:cNvGrpSpPr/>
+        <p:nvPr/>
+      </p:nvGrpSpPr>
+      <p:grpSpPr>
+        <a:xfrm>
+          <a:off x="0" y="0"/>
+          <a:ext cx="0" cy="0"/>
+          <a:chOff x="0" y="0"/>
+          <a:chExt cx="0" cy="0"/>
+        </a:xfrm>
+      </p:grpSpPr>
+      <p:sp>
+        <p:nvSpPr>
+          <p:cNvPr id="111" name="Google Shape;111;ga433d2ff80_0_128:notes"/>
           <p:cNvSpPr>
             <a:spLocks noGrp="1" noRot="1" noChangeAspect="1"/>
           </p:cNvSpPr>
@@ -1074,7 +1872,7 @@
       </p:sp>
       <p:sp>
         <p:nvSpPr>
-          <p:cNvPr id="83" name="Google Shape;83;ga433d2ff80_0_162:notes"/>
+          <p:cNvPr id="112" name="Google Shape;112;ga433d2ff80_0_128:notes"/>
           <p:cNvSpPr txBox="1">
             <a:spLocks noGrp="1"/>
           </p:cNvSpPr>
@@ -1118,12 +1916,12 @@
 </p:notes>
 </file>
 
-<file path=ppt/notesSlides/notesSlide3.xml><?xml version="1.0" encoding="utf-8"?>
+<file path=ppt/notesSlides/notesSlide9.xml><?xml version="1.0" encoding="utf-8"?>
 <p:notes xmlns:a="http://schemas.openxmlformats.org/drawingml/2006/main" xmlns:r="http://schemas.openxmlformats.org/officeDocument/2006/relationships" xmlns:p="http://schemas.openxmlformats.org/presentationml/2006/main" showMasterSp="0" showMasterPhAnim="0">
   <p:cSld>
     <p:spTree>
       <p:nvGrpSpPr>
-        <p:cNvPr id="1" name="Shape 87"/>
+        <p:cNvPr id="1" name="Shape 116"/>
         <p:cNvGrpSpPr/>
         <p:nvPr/>
       </p:nvGrpSpPr>
@@ -1137,111 +1935,7 @@
       </p:grpSpPr>
       <p:sp>
         <p:nvSpPr>
-          <p:cNvPr id="88" name="Google Shape;88;ga44c359e36_0_23:notes"/>
-          <p:cNvSpPr>
-            <a:spLocks noGrp="1" noRot="1" noChangeAspect="1"/>
-          </p:cNvSpPr>
-          <p:nvPr>
-            <p:ph type="sldImg" idx="2"/>
-          </p:nvPr>
-        </p:nvSpPr>
-        <p:spPr>
-          <a:xfrm>
-            <a:off x="381300" y="685800"/>
-            <a:ext cx="6096000" cy="3429000"/>
-          </a:xfrm>
-          <a:custGeom>
-            <a:avLst/>
-            <a:gdLst/>
-            <a:ahLst/>
-            <a:cxnLst/>
-            <a:rect l="l" t="t" r="r" b="b"/>
-            <a:pathLst>
-              <a:path w="120000" h="120000" extrusionOk="0">
-                <a:moveTo>
-                  <a:pt x="0" y="0"/>
-                </a:moveTo>
-                <a:lnTo>
-                  <a:pt x="120000" y="0"/>
-                </a:lnTo>
-                <a:lnTo>
-                  <a:pt x="120000" y="120000"/>
-                </a:lnTo>
-                <a:lnTo>
-                  <a:pt x="0" y="120000"/>
-                </a:lnTo>
-                <a:close/>
-              </a:path>
-            </a:pathLst>
-          </a:custGeom>
-        </p:spPr>
-      </p:sp>
-      <p:sp>
-        <p:nvSpPr>
-          <p:cNvPr id="89" name="Google Shape;89;ga44c359e36_0_23:notes"/>
-          <p:cNvSpPr txBox="1">
-            <a:spLocks noGrp="1"/>
-          </p:cNvSpPr>
-          <p:nvPr>
-            <p:ph type="body" idx="1"/>
-          </p:nvPr>
-        </p:nvSpPr>
-        <p:spPr>
-          <a:xfrm>
-            <a:off x="685800" y="4343400"/>
-            <a:ext cx="5486400" cy="4114800"/>
-          </a:xfrm>
-          <a:prstGeom prst="rect">
-            <a:avLst/>
-          </a:prstGeom>
-        </p:spPr>
-        <p:txBody>
-          <a:bodyPr spcFirstLastPara="1" wrap="square" lIns="91425" tIns="91425" rIns="91425" bIns="91425" anchor="t" anchorCtr="0">
-            <a:noAutofit/>
-          </a:bodyPr>
-          <a:lstStyle/>
-          <a:p>
-            <a:pPr marL="0" lvl="0" indent="0" algn="l" rtl="0">
-              <a:spcBef>
-                <a:spcPts val="0"/>
-              </a:spcBef>
-              <a:spcAft>
-                <a:spcPts val="0"/>
-              </a:spcAft>
-              <a:buNone/>
-            </a:pPr>
-            <a:endParaRPr/>
-          </a:p>
-        </p:txBody>
-      </p:sp>
-    </p:spTree>
-  </p:cSld>
-  <p:clrMapOvr>
-    <a:masterClrMapping/>
-  </p:clrMapOvr>
-</p:notes>
-</file>
-
-<file path=ppt/notesSlides/notesSlide4.xml><?xml version="1.0" encoding="utf-8"?>
-<p:notes xmlns:a="http://schemas.openxmlformats.org/drawingml/2006/main" xmlns:r="http://schemas.openxmlformats.org/officeDocument/2006/relationships" xmlns:p="http://schemas.openxmlformats.org/presentationml/2006/main" showMasterSp="0" showMasterPhAnim="0">
-  <p:cSld>
-    <p:spTree>
-      <p:nvGrpSpPr>
-        <p:cNvPr id="1" name="Shape 93"/>
-        <p:cNvGrpSpPr/>
-        <p:nvPr/>
-      </p:nvGrpSpPr>
-      <p:grpSpPr>
-        <a:xfrm>
-          <a:off x="0" y="0"/>
-          <a:ext cx="0" cy="0"/>
-          <a:chOff x="0" y="0"/>
-          <a:chExt cx="0" cy="0"/>
-        </a:xfrm>
-      </p:grpSpPr>
-      <p:sp>
-        <p:nvSpPr>
-          <p:cNvPr id="94" name="Google Shape;94;ga433d2ff80_0_177:notes"/>
+          <p:cNvPr id="117" name="Google Shape;117;ga433d2ff80_0_133:notes"/>
           <p:cNvSpPr>
             <a:spLocks noGrp="1" noRot="1" noChangeAspect="1"/>
           </p:cNvSpPr>
@@ -1282,527 +1976,7 @@
       </p:sp>
       <p:sp>
         <p:nvSpPr>
-          <p:cNvPr id="95" name="Google Shape;95;ga433d2ff80_0_177:notes"/>
-          <p:cNvSpPr txBox="1">
-            <a:spLocks noGrp="1"/>
-          </p:cNvSpPr>
-          <p:nvPr>
-            <p:ph type="body" idx="1"/>
-          </p:nvPr>
-        </p:nvSpPr>
-        <p:spPr>
-          <a:xfrm>
-            <a:off x="685800" y="4343400"/>
-            <a:ext cx="5486400" cy="4114800"/>
-          </a:xfrm>
-          <a:prstGeom prst="rect">
-            <a:avLst/>
-          </a:prstGeom>
-        </p:spPr>
-        <p:txBody>
-          <a:bodyPr spcFirstLastPara="1" wrap="square" lIns="91425" tIns="91425" rIns="91425" bIns="91425" anchor="t" anchorCtr="0">
-            <a:noAutofit/>
-          </a:bodyPr>
-          <a:lstStyle/>
-          <a:p>
-            <a:pPr marL="0" lvl="0" indent="0" algn="l" rtl="0">
-              <a:spcBef>
-                <a:spcPts val="0"/>
-              </a:spcBef>
-              <a:spcAft>
-                <a:spcPts val="0"/>
-              </a:spcAft>
-              <a:buNone/>
-            </a:pPr>
-            <a:endParaRPr/>
-          </a:p>
-        </p:txBody>
-      </p:sp>
-    </p:spTree>
-  </p:cSld>
-  <p:clrMapOvr>
-    <a:masterClrMapping/>
-  </p:clrMapOvr>
-</p:notes>
-</file>
-
-<file path=ppt/notesSlides/notesSlide5.xml><?xml version="1.0" encoding="utf-8"?>
-<p:notes xmlns:a="http://schemas.openxmlformats.org/drawingml/2006/main" xmlns:r="http://schemas.openxmlformats.org/officeDocument/2006/relationships" xmlns:p="http://schemas.openxmlformats.org/presentationml/2006/main" showMasterSp="0" showMasterPhAnim="0">
-  <p:cSld>
-    <p:spTree>
-      <p:nvGrpSpPr>
-        <p:cNvPr id="1" name="Shape 99"/>
-        <p:cNvGrpSpPr/>
-        <p:nvPr/>
-      </p:nvGrpSpPr>
-      <p:grpSpPr>
-        <a:xfrm>
-          <a:off x="0" y="0"/>
-          <a:ext cx="0" cy="0"/>
-          <a:chOff x="0" y="0"/>
-          <a:chExt cx="0" cy="0"/>
-        </a:xfrm>
-      </p:grpSpPr>
-      <p:sp>
-        <p:nvSpPr>
-          <p:cNvPr id="100" name="Google Shape;100;ga433d2ff80_0_189:notes"/>
-          <p:cNvSpPr>
-            <a:spLocks noGrp="1" noRot="1" noChangeAspect="1"/>
-          </p:cNvSpPr>
-          <p:nvPr>
-            <p:ph type="sldImg" idx="2"/>
-          </p:nvPr>
-        </p:nvSpPr>
-        <p:spPr>
-          <a:xfrm>
-            <a:off x="381000" y="685800"/>
-            <a:ext cx="6096000" cy="3429000"/>
-          </a:xfrm>
-          <a:custGeom>
-            <a:avLst/>
-            <a:gdLst/>
-            <a:ahLst/>
-            <a:cxnLst/>
-            <a:rect l="l" t="t" r="r" b="b"/>
-            <a:pathLst>
-              <a:path w="120000" h="120000" extrusionOk="0">
-                <a:moveTo>
-                  <a:pt x="0" y="0"/>
-                </a:moveTo>
-                <a:lnTo>
-                  <a:pt x="120000" y="0"/>
-                </a:lnTo>
-                <a:lnTo>
-                  <a:pt x="120000" y="120000"/>
-                </a:lnTo>
-                <a:lnTo>
-                  <a:pt x="0" y="120000"/>
-                </a:lnTo>
-                <a:close/>
-              </a:path>
-            </a:pathLst>
-          </a:custGeom>
-        </p:spPr>
-      </p:sp>
-      <p:sp>
-        <p:nvSpPr>
-          <p:cNvPr id="101" name="Google Shape;101;ga433d2ff80_0_189:notes"/>
-          <p:cNvSpPr txBox="1">
-            <a:spLocks noGrp="1"/>
-          </p:cNvSpPr>
-          <p:nvPr>
-            <p:ph type="body" idx="1"/>
-          </p:nvPr>
-        </p:nvSpPr>
-        <p:spPr>
-          <a:xfrm>
-            <a:off x="685800" y="4343400"/>
-            <a:ext cx="5486400" cy="4114800"/>
-          </a:xfrm>
-          <a:prstGeom prst="rect">
-            <a:avLst/>
-          </a:prstGeom>
-        </p:spPr>
-        <p:txBody>
-          <a:bodyPr spcFirstLastPara="1" wrap="square" lIns="91425" tIns="91425" rIns="91425" bIns="91425" anchor="t" anchorCtr="0">
-            <a:noAutofit/>
-          </a:bodyPr>
-          <a:lstStyle/>
-          <a:p>
-            <a:pPr marL="0" lvl="0" indent="0" algn="l" rtl="0">
-              <a:spcBef>
-                <a:spcPts val="0"/>
-              </a:spcBef>
-              <a:spcAft>
-                <a:spcPts val="0"/>
-              </a:spcAft>
-              <a:buNone/>
-            </a:pPr>
-            <a:endParaRPr/>
-          </a:p>
-        </p:txBody>
-      </p:sp>
-    </p:spTree>
-  </p:cSld>
-  <p:clrMapOvr>
-    <a:masterClrMapping/>
-  </p:clrMapOvr>
-</p:notes>
-</file>
-
-<file path=ppt/notesSlides/notesSlide6.xml><?xml version="1.0" encoding="utf-8"?>
-<p:notes xmlns:a="http://schemas.openxmlformats.org/drawingml/2006/main" xmlns:r="http://schemas.openxmlformats.org/officeDocument/2006/relationships" xmlns:p="http://schemas.openxmlformats.org/presentationml/2006/main" showMasterSp="0" showMasterPhAnim="0">
-  <p:cSld>
-    <p:spTree>
-      <p:nvGrpSpPr>
-        <p:cNvPr id="1" name="Shape 105"/>
-        <p:cNvGrpSpPr/>
-        <p:nvPr/>
-      </p:nvGrpSpPr>
-      <p:grpSpPr>
-        <a:xfrm>
-          <a:off x="0" y="0"/>
-          <a:ext cx="0" cy="0"/>
-          <a:chOff x="0" y="0"/>
-          <a:chExt cx="0" cy="0"/>
-        </a:xfrm>
-      </p:grpSpPr>
-      <p:sp>
-        <p:nvSpPr>
-          <p:cNvPr id="106" name="Google Shape;106;ga433d2ff80_0_197:notes"/>
-          <p:cNvSpPr>
-            <a:spLocks noGrp="1" noRot="1" noChangeAspect="1"/>
-          </p:cNvSpPr>
-          <p:nvPr>
-            <p:ph type="sldImg" idx="2"/>
-          </p:nvPr>
-        </p:nvSpPr>
-        <p:spPr>
-          <a:xfrm>
-            <a:off x="381300" y="685800"/>
-            <a:ext cx="6096000" cy="3429000"/>
-          </a:xfrm>
-          <a:custGeom>
-            <a:avLst/>
-            <a:gdLst/>
-            <a:ahLst/>
-            <a:cxnLst/>
-            <a:rect l="l" t="t" r="r" b="b"/>
-            <a:pathLst>
-              <a:path w="120000" h="120000" extrusionOk="0">
-                <a:moveTo>
-                  <a:pt x="0" y="0"/>
-                </a:moveTo>
-                <a:lnTo>
-                  <a:pt x="120000" y="0"/>
-                </a:lnTo>
-                <a:lnTo>
-                  <a:pt x="120000" y="120000"/>
-                </a:lnTo>
-                <a:lnTo>
-                  <a:pt x="0" y="120000"/>
-                </a:lnTo>
-                <a:close/>
-              </a:path>
-            </a:pathLst>
-          </a:custGeom>
-        </p:spPr>
-      </p:sp>
-      <p:sp>
-        <p:nvSpPr>
-          <p:cNvPr id="107" name="Google Shape;107;ga433d2ff80_0_197:notes"/>
-          <p:cNvSpPr txBox="1">
-            <a:spLocks noGrp="1"/>
-          </p:cNvSpPr>
-          <p:nvPr>
-            <p:ph type="body" idx="1"/>
-          </p:nvPr>
-        </p:nvSpPr>
-        <p:spPr>
-          <a:xfrm>
-            <a:off x="685800" y="4343400"/>
-            <a:ext cx="5486400" cy="4114800"/>
-          </a:xfrm>
-          <a:prstGeom prst="rect">
-            <a:avLst/>
-          </a:prstGeom>
-        </p:spPr>
-        <p:txBody>
-          <a:bodyPr spcFirstLastPara="1" wrap="square" lIns="91425" tIns="91425" rIns="91425" bIns="91425" anchor="t" anchorCtr="0">
-            <a:noAutofit/>
-          </a:bodyPr>
-          <a:lstStyle/>
-          <a:p>
-            <a:pPr marL="0" lvl="0" indent="0" algn="l" rtl="0">
-              <a:spcBef>
-                <a:spcPts val="0"/>
-              </a:spcBef>
-              <a:spcAft>
-                <a:spcPts val="0"/>
-              </a:spcAft>
-              <a:buNone/>
-            </a:pPr>
-            <a:endParaRPr/>
-          </a:p>
-        </p:txBody>
-      </p:sp>
-    </p:spTree>
-  </p:cSld>
-  <p:clrMapOvr>
-    <a:masterClrMapping/>
-  </p:clrMapOvr>
-</p:notes>
-</file>
-
-<file path=ppt/notesSlides/notesSlide7.xml><?xml version="1.0" encoding="utf-8"?>
-<p:notes xmlns:a="http://schemas.openxmlformats.org/drawingml/2006/main" xmlns:r="http://schemas.openxmlformats.org/officeDocument/2006/relationships" xmlns:p="http://schemas.openxmlformats.org/presentationml/2006/main" showMasterSp="0" showMasterPhAnim="0">
-  <p:cSld>
-    <p:spTree>
-      <p:nvGrpSpPr>
-        <p:cNvPr id="1" name="Shape 110"/>
-        <p:cNvGrpSpPr/>
-        <p:nvPr/>
-      </p:nvGrpSpPr>
-      <p:grpSpPr>
-        <a:xfrm>
-          <a:off x="0" y="0"/>
-          <a:ext cx="0" cy="0"/>
-          <a:chOff x="0" y="0"/>
-          <a:chExt cx="0" cy="0"/>
-        </a:xfrm>
-      </p:grpSpPr>
-      <p:sp>
-        <p:nvSpPr>
-          <p:cNvPr id="111" name="Google Shape;111;ga433d2ff80_0_128:notes"/>
-          <p:cNvSpPr>
-            <a:spLocks noGrp="1" noRot="1" noChangeAspect="1"/>
-          </p:cNvSpPr>
-          <p:nvPr>
-            <p:ph type="sldImg" idx="2"/>
-          </p:nvPr>
-        </p:nvSpPr>
-        <p:spPr>
-          <a:xfrm>
-            <a:off x="381300" y="685800"/>
-            <a:ext cx="6096000" cy="3429000"/>
-          </a:xfrm>
-          <a:custGeom>
-            <a:avLst/>
-            <a:gdLst/>
-            <a:ahLst/>
-            <a:cxnLst/>
-            <a:rect l="l" t="t" r="r" b="b"/>
-            <a:pathLst>
-              <a:path w="120000" h="120000" extrusionOk="0">
-                <a:moveTo>
-                  <a:pt x="0" y="0"/>
-                </a:moveTo>
-                <a:lnTo>
-                  <a:pt x="120000" y="0"/>
-                </a:lnTo>
-                <a:lnTo>
-                  <a:pt x="120000" y="120000"/>
-                </a:lnTo>
-                <a:lnTo>
-                  <a:pt x="0" y="120000"/>
-                </a:lnTo>
-                <a:close/>
-              </a:path>
-            </a:pathLst>
-          </a:custGeom>
-        </p:spPr>
-      </p:sp>
-      <p:sp>
-        <p:nvSpPr>
-          <p:cNvPr id="112" name="Google Shape;112;ga433d2ff80_0_128:notes"/>
-          <p:cNvSpPr txBox="1">
-            <a:spLocks noGrp="1"/>
-          </p:cNvSpPr>
-          <p:nvPr>
-            <p:ph type="body" idx="1"/>
-          </p:nvPr>
-        </p:nvSpPr>
-        <p:spPr>
-          <a:xfrm>
-            <a:off x="685800" y="4343400"/>
-            <a:ext cx="5486400" cy="4114800"/>
-          </a:xfrm>
-          <a:prstGeom prst="rect">
-            <a:avLst/>
-          </a:prstGeom>
-        </p:spPr>
-        <p:txBody>
-          <a:bodyPr spcFirstLastPara="1" wrap="square" lIns="91425" tIns="91425" rIns="91425" bIns="91425" anchor="t" anchorCtr="0">
-            <a:noAutofit/>
-          </a:bodyPr>
-          <a:lstStyle/>
-          <a:p>
-            <a:pPr marL="0" lvl="0" indent="0" algn="l" rtl="0">
-              <a:spcBef>
-                <a:spcPts val="0"/>
-              </a:spcBef>
-              <a:spcAft>
-                <a:spcPts val="0"/>
-              </a:spcAft>
-              <a:buNone/>
-            </a:pPr>
-            <a:endParaRPr/>
-          </a:p>
-        </p:txBody>
-      </p:sp>
-    </p:spTree>
-  </p:cSld>
-  <p:clrMapOvr>
-    <a:masterClrMapping/>
-  </p:clrMapOvr>
-</p:notes>
-</file>
-
-<file path=ppt/notesSlides/notesSlide8.xml><?xml version="1.0" encoding="utf-8"?>
-<p:notes xmlns:a="http://schemas.openxmlformats.org/drawingml/2006/main" xmlns:r="http://schemas.openxmlformats.org/officeDocument/2006/relationships" xmlns:p="http://schemas.openxmlformats.org/presentationml/2006/main" showMasterSp="0" showMasterPhAnim="0">
-  <p:cSld>
-    <p:spTree>
-      <p:nvGrpSpPr>
-        <p:cNvPr id="1" name="Shape 116"/>
-        <p:cNvGrpSpPr/>
-        <p:nvPr/>
-      </p:nvGrpSpPr>
-      <p:grpSpPr>
-        <a:xfrm>
-          <a:off x="0" y="0"/>
-          <a:ext cx="0" cy="0"/>
-          <a:chOff x="0" y="0"/>
-          <a:chExt cx="0" cy="0"/>
-        </a:xfrm>
-      </p:grpSpPr>
-      <p:sp>
-        <p:nvSpPr>
-          <p:cNvPr id="117" name="Google Shape;117;ga433d2ff80_0_133:notes"/>
-          <p:cNvSpPr>
-            <a:spLocks noGrp="1" noRot="1" noChangeAspect="1"/>
-          </p:cNvSpPr>
-          <p:nvPr>
-            <p:ph type="sldImg" idx="2"/>
-          </p:nvPr>
-        </p:nvSpPr>
-        <p:spPr>
-          <a:xfrm>
-            <a:off x="381300" y="685800"/>
-            <a:ext cx="6096000" cy="3429000"/>
-          </a:xfrm>
-          <a:custGeom>
-            <a:avLst/>
-            <a:gdLst/>
-            <a:ahLst/>
-            <a:cxnLst/>
-            <a:rect l="l" t="t" r="r" b="b"/>
-            <a:pathLst>
-              <a:path w="120000" h="120000" extrusionOk="0">
-                <a:moveTo>
-                  <a:pt x="0" y="0"/>
-                </a:moveTo>
-                <a:lnTo>
-                  <a:pt x="120000" y="0"/>
-                </a:lnTo>
-                <a:lnTo>
-                  <a:pt x="120000" y="120000"/>
-                </a:lnTo>
-                <a:lnTo>
-                  <a:pt x="0" y="120000"/>
-                </a:lnTo>
-                <a:close/>
-              </a:path>
-            </a:pathLst>
-          </a:custGeom>
-        </p:spPr>
-      </p:sp>
-      <p:sp>
-        <p:nvSpPr>
           <p:cNvPr id="118" name="Google Shape;118;ga433d2ff80_0_133:notes"/>
-          <p:cNvSpPr txBox="1">
-            <a:spLocks noGrp="1"/>
-          </p:cNvSpPr>
-          <p:nvPr>
-            <p:ph type="body" idx="1"/>
-          </p:nvPr>
-        </p:nvSpPr>
-        <p:spPr>
-          <a:xfrm>
-            <a:off x="685800" y="4343400"/>
-            <a:ext cx="5486400" cy="4114800"/>
-          </a:xfrm>
-          <a:prstGeom prst="rect">
-            <a:avLst/>
-          </a:prstGeom>
-        </p:spPr>
-        <p:txBody>
-          <a:bodyPr spcFirstLastPara="1" wrap="square" lIns="91425" tIns="91425" rIns="91425" bIns="91425" anchor="t" anchorCtr="0">
-            <a:noAutofit/>
-          </a:bodyPr>
-          <a:lstStyle/>
-          <a:p>
-            <a:pPr marL="0" lvl="0" indent="0" algn="l" rtl="0">
-              <a:spcBef>
-                <a:spcPts val="0"/>
-              </a:spcBef>
-              <a:spcAft>
-                <a:spcPts val="0"/>
-              </a:spcAft>
-              <a:buNone/>
-            </a:pPr>
-            <a:endParaRPr/>
-          </a:p>
-        </p:txBody>
-      </p:sp>
-    </p:spTree>
-  </p:cSld>
-  <p:clrMapOvr>
-    <a:masterClrMapping/>
-  </p:clrMapOvr>
-</p:notes>
-</file>
-
-<file path=ppt/notesSlides/notesSlide9.xml><?xml version="1.0" encoding="utf-8"?>
-<p:notes xmlns:a="http://schemas.openxmlformats.org/drawingml/2006/main" xmlns:r="http://schemas.openxmlformats.org/officeDocument/2006/relationships" xmlns:p="http://schemas.openxmlformats.org/presentationml/2006/main" showMasterSp="0" showMasterPhAnim="0">
-  <p:cSld>
-    <p:spTree>
-      <p:nvGrpSpPr>
-        <p:cNvPr id="1" name="Shape 121"/>
-        <p:cNvGrpSpPr/>
-        <p:nvPr/>
-      </p:nvGrpSpPr>
-      <p:grpSpPr>
-        <a:xfrm>
-          <a:off x="0" y="0"/>
-          <a:ext cx="0" cy="0"/>
-          <a:chOff x="0" y="0"/>
-          <a:chExt cx="0" cy="0"/>
-        </a:xfrm>
-      </p:grpSpPr>
-      <p:sp>
-        <p:nvSpPr>
-          <p:cNvPr id="122" name="Google Shape;122;ga433d2ff80_0_143:notes"/>
-          <p:cNvSpPr>
-            <a:spLocks noGrp="1" noRot="1" noChangeAspect="1"/>
-          </p:cNvSpPr>
-          <p:nvPr>
-            <p:ph type="sldImg" idx="2"/>
-          </p:nvPr>
-        </p:nvSpPr>
-        <p:spPr>
-          <a:xfrm>
-            <a:off x="381300" y="685800"/>
-            <a:ext cx="6096000" cy="3429000"/>
-          </a:xfrm>
-          <a:custGeom>
-            <a:avLst/>
-            <a:gdLst/>
-            <a:ahLst/>
-            <a:cxnLst/>
-            <a:rect l="l" t="t" r="r" b="b"/>
-            <a:pathLst>
-              <a:path w="120000" h="120000" extrusionOk="0">
-                <a:moveTo>
-                  <a:pt x="0" y="0"/>
-                </a:moveTo>
-                <a:lnTo>
-                  <a:pt x="120000" y="0"/>
-                </a:lnTo>
-                <a:lnTo>
-                  <a:pt x="120000" y="120000"/>
-                </a:lnTo>
-                <a:lnTo>
-                  <a:pt x="0" y="120000"/>
-                </a:lnTo>
-                <a:close/>
-              </a:path>
-            </a:pathLst>
-          </a:custGeom>
-        </p:spPr>
-      </p:sp>
-      <p:sp>
-        <p:nvSpPr>
-          <p:cNvPr id="123" name="Google Shape;123;ga433d2ff80_0_143:notes"/>
           <p:cNvSpPr txBox="1">
             <a:spLocks noGrp="1"/>
           </p:cNvSpPr>
@@ -1993,7 +2167,7 @@
           <a:p>
             <a:fld id="{FB30097B-0DAF-4A2E-BFEA-95896A567375}" type="datetimeFigureOut">
               <a:rPr lang="en-US" smtClean="0"/>
-              <a:t>11/7/2024</a:t>
+              <a:t>11/8/2024</a:t>
             </a:fld>
             <a:endParaRPr lang="en-US"/>
           </a:p>
@@ -2191,7 +2365,7 @@
           <a:p>
             <a:fld id="{FB30097B-0DAF-4A2E-BFEA-95896A567375}" type="datetimeFigureOut">
               <a:rPr lang="en-US" smtClean="0"/>
-              <a:t>11/7/2024</a:t>
+              <a:t>11/8/2024</a:t>
             </a:fld>
             <a:endParaRPr lang="en-US"/>
           </a:p>
@@ -2399,7 +2573,7 @@
           <a:p>
             <a:fld id="{FB30097B-0DAF-4A2E-BFEA-95896A567375}" type="datetimeFigureOut">
               <a:rPr lang="en-US" smtClean="0"/>
-              <a:t>11/7/2024</a:t>
+              <a:t>11/8/2024</a:t>
             </a:fld>
             <a:endParaRPr lang="en-US"/>
           </a:p>
@@ -2996,7 +3170,7 @@
           <a:p>
             <a:fld id="{FB30097B-0DAF-4A2E-BFEA-95896A567375}" type="datetimeFigureOut">
               <a:rPr lang="en-US" smtClean="0"/>
-              <a:t>11/7/2024</a:t>
+              <a:t>11/8/2024</a:t>
             </a:fld>
             <a:endParaRPr lang="en-US"/>
           </a:p>
@@ -3271,7 +3445,7 @@
           <a:p>
             <a:fld id="{FB30097B-0DAF-4A2E-BFEA-95896A567375}" type="datetimeFigureOut">
               <a:rPr lang="en-US" smtClean="0"/>
-              <a:t>11/7/2024</a:t>
+              <a:t>11/8/2024</a:t>
             </a:fld>
             <a:endParaRPr lang="en-US"/>
           </a:p>
@@ -3536,7 +3710,7 @@
           <a:p>
             <a:fld id="{FB30097B-0DAF-4A2E-BFEA-95896A567375}" type="datetimeFigureOut">
               <a:rPr lang="en-US" smtClean="0"/>
-              <a:t>11/7/2024</a:t>
+              <a:t>11/8/2024</a:t>
             </a:fld>
             <a:endParaRPr lang="en-US"/>
           </a:p>
@@ -3948,7 +4122,7 @@
           <a:p>
             <a:fld id="{FB30097B-0DAF-4A2E-BFEA-95896A567375}" type="datetimeFigureOut">
               <a:rPr lang="en-US" smtClean="0"/>
-              <a:t>11/7/2024</a:t>
+              <a:t>11/8/2024</a:t>
             </a:fld>
             <a:endParaRPr lang="en-US"/>
           </a:p>
@@ -4089,7 +4263,7 @@
           <a:p>
             <a:fld id="{FB30097B-0DAF-4A2E-BFEA-95896A567375}" type="datetimeFigureOut">
               <a:rPr lang="en-US" smtClean="0"/>
-              <a:t>11/7/2024</a:t>
+              <a:t>11/8/2024</a:t>
             </a:fld>
             <a:endParaRPr lang="en-US"/>
           </a:p>
@@ -4202,7 +4376,7 @@
           <a:p>
             <a:fld id="{FB30097B-0DAF-4A2E-BFEA-95896A567375}" type="datetimeFigureOut">
               <a:rPr lang="en-US" smtClean="0"/>
-              <a:t>11/7/2024</a:t>
+              <a:t>11/8/2024</a:t>
             </a:fld>
             <a:endParaRPr lang="en-US"/>
           </a:p>
@@ -4513,7 +4687,7 @@
           <a:p>
             <a:fld id="{FB30097B-0DAF-4A2E-BFEA-95896A567375}" type="datetimeFigureOut">
               <a:rPr lang="en-US" smtClean="0"/>
-              <a:t>11/7/2024</a:t>
+              <a:t>11/8/2024</a:t>
             </a:fld>
             <a:endParaRPr lang="en-US"/>
           </a:p>
@@ -4801,7 +4975,7 @@
           <a:p>
             <a:fld id="{FB30097B-0DAF-4A2E-BFEA-95896A567375}" type="datetimeFigureOut">
               <a:rPr lang="en-US" smtClean="0"/>
-              <a:t>11/7/2024</a:t>
+              <a:t>11/8/2024</a:t>
             </a:fld>
             <a:endParaRPr lang="en-US"/>
           </a:p>
@@ -5042,7 +5216,7 @@
           <a:p>
             <a:fld id="{FB30097B-0DAF-4A2E-BFEA-95896A567375}" type="datetimeFigureOut">
               <a:rPr lang="en-US" smtClean="0"/>
-              <a:t>11/7/2024</a:t>
+              <a:t>11/8/2024</a:t>
             </a:fld>
             <a:endParaRPr lang="en-US"/>
           </a:p>
@@ -5540,6 +5714,251 @@
   <p:cSld>
     <p:spTree>
       <p:nvGrpSpPr>
+        <p:cNvPr id="1" name=""/>
+        <p:cNvGrpSpPr/>
+        <p:nvPr/>
+      </p:nvGrpSpPr>
+      <p:grpSpPr>
+        <a:xfrm>
+          <a:off x="0" y="0"/>
+          <a:ext cx="0" cy="0"/>
+          <a:chOff x="0" y="0"/>
+          <a:chExt cx="0" cy="0"/>
+        </a:xfrm>
+      </p:grpSpPr>
+      <p:sp>
+        <p:nvSpPr>
+          <p:cNvPr id="2" name="Title 1">
+            <a:extLst>
+              <a:ext uri="{FF2B5EF4-FFF2-40B4-BE49-F238E27FC236}">
+                <a16:creationId xmlns:a16="http://schemas.microsoft.com/office/drawing/2014/main" id="{B949D26A-B901-B285-F4AF-2A483357812C}"/>
+              </a:ext>
+            </a:extLst>
+          </p:cNvPr>
+          <p:cNvSpPr>
+            <a:spLocks noGrp="1"/>
+          </p:cNvSpPr>
+          <p:nvPr>
+            <p:ph type="title"/>
+          </p:nvPr>
+        </p:nvSpPr>
+        <p:spPr/>
+        <p:txBody>
+          <a:bodyPr/>
+          <a:lstStyle/>
+          <a:p>
+            <a:r>
+              <a:rPr lang="en-US" dirty="0"/>
+              <a:t>Unix Philosophy (Folklore, Raymond)</a:t>
+            </a:r>
+          </a:p>
+        </p:txBody>
+      </p:sp>
+      <p:sp>
+        <p:nvSpPr>
+          <p:cNvPr id="3" name="Content Placeholder 2">
+            <a:extLst>
+              <a:ext uri="{FF2B5EF4-FFF2-40B4-BE49-F238E27FC236}">
+                <a16:creationId xmlns:a16="http://schemas.microsoft.com/office/drawing/2014/main" id="{48DC546E-4231-B015-0495-B8FB4EFAFD5B}"/>
+              </a:ext>
+            </a:extLst>
+          </p:cNvPr>
+          <p:cNvSpPr>
+            <a:spLocks noGrp="1"/>
+          </p:cNvSpPr>
+          <p:nvPr>
+            <p:ph idx="1"/>
+          </p:nvPr>
+        </p:nvSpPr>
+        <p:spPr>
+          <a:xfrm>
+            <a:off x="838200" y="1825625"/>
+            <a:ext cx="7328338" cy="4351338"/>
+          </a:xfrm>
+        </p:spPr>
+        <p:txBody>
+          <a:bodyPr>
+            <a:normAutofit fontScale="70000" lnSpcReduction="20000"/>
+          </a:bodyPr>
+          <a:lstStyle/>
+          <a:p>
+            <a:pPr marL="514350" indent="-514350" algn="l">
+              <a:buFont typeface="+mj-lt"/>
+              <a:buAutoNum type="arabicPeriod" startAt="10"/>
+            </a:pPr>
+            <a:r>
+              <a:rPr lang="en-US" b="0" i="0" dirty="0">
+                <a:solidFill>
+                  <a:srgbClr val="000000"/>
+                </a:solidFill>
+                <a:effectLst/>
+                <a:latin typeface="+mj-lt"/>
+              </a:rPr>
+              <a:t>Rule of Least Surprise: In interface design, always do the least surprising thing.</a:t>
+            </a:r>
+          </a:p>
+          <a:p>
+            <a:pPr marL="514350" indent="-514350" algn="l">
+              <a:buFont typeface="+mj-lt"/>
+              <a:buAutoNum type="arabicPeriod" startAt="10"/>
+            </a:pPr>
+            <a:r>
+              <a:rPr lang="en-US" b="0" i="0" dirty="0">
+                <a:solidFill>
+                  <a:srgbClr val="000000"/>
+                </a:solidFill>
+                <a:effectLst/>
+                <a:latin typeface="+mj-lt"/>
+              </a:rPr>
+              <a:t>Rule of Silence: When a program has nothing surprising to say, it should say nothing.</a:t>
+            </a:r>
+          </a:p>
+          <a:p>
+            <a:pPr marL="514350" indent="-514350" algn="l">
+              <a:buFont typeface="+mj-lt"/>
+              <a:buAutoNum type="arabicPeriod" startAt="10"/>
+            </a:pPr>
+            <a:r>
+              <a:rPr lang="en-US" b="0" i="0" dirty="0">
+                <a:solidFill>
+                  <a:srgbClr val="000000"/>
+                </a:solidFill>
+                <a:effectLst/>
+                <a:latin typeface="+mj-lt"/>
+              </a:rPr>
+              <a:t>Rule of Repair: When you must fail, fail noisily and as soon as possible.</a:t>
+            </a:r>
+          </a:p>
+          <a:p>
+            <a:pPr marL="514350" indent="-514350" algn="l">
+              <a:buFont typeface="+mj-lt"/>
+              <a:buAutoNum type="arabicPeriod" startAt="10"/>
+            </a:pPr>
+            <a:r>
+              <a:rPr lang="en-US" b="0" i="0" dirty="0">
+                <a:solidFill>
+                  <a:srgbClr val="000000"/>
+                </a:solidFill>
+                <a:effectLst/>
+                <a:latin typeface="+mj-lt"/>
+              </a:rPr>
+              <a:t>Rule of Economy: Programmer time is expensive; conserve it in preference to machine time.</a:t>
+            </a:r>
+          </a:p>
+          <a:p>
+            <a:pPr marL="514350" indent="-514350" algn="l">
+              <a:buFont typeface="+mj-lt"/>
+              <a:buAutoNum type="arabicPeriod" startAt="10"/>
+            </a:pPr>
+            <a:r>
+              <a:rPr lang="en-US" b="0" i="0" dirty="0">
+                <a:solidFill>
+                  <a:srgbClr val="000000"/>
+                </a:solidFill>
+                <a:effectLst/>
+                <a:latin typeface="+mj-lt"/>
+              </a:rPr>
+              <a:t>Rule of Generation: Avoid hand-hacking; write programs to write programs when you can.</a:t>
+            </a:r>
+          </a:p>
+          <a:p>
+            <a:pPr marL="514350" indent="-514350" algn="l">
+              <a:buFont typeface="+mj-lt"/>
+              <a:buAutoNum type="arabicPeriod" startAt="10"/>
+            </a:pPr>
+            <a:r>
+              <a:rPr lang="en-US" b="0" i="0" dirty="0">
+                <a:solidFill>
+                  <a:srgbClr val="000000"/>
+                </a:solidFill>
+                <a:effectLst/>
+                <a:latin typeface="+mj-lt"/>
+              </a:rPr>
+              <a:t>Rule of Optimization: Prototype before polishing. Get it working before you optimize it.</a:t>
+            </a:r>
+          </a:p>
+          <a:p>
+            <a:pPr marL="514350" indent="-514350" algn="l">
+              <a:buFont typeface="+mj-lt"/>
+              <a:buAutoNum type="arabicPeriod" startAt="10"/>
+            </a:pPr>
+            <a:r>
+              <a:rPr lang="en-US" b="0" i="0" dirty="0">
+                <a:solidFill>
+                  <a:srgbClr val="000000"/>
+                </a:solidFill>
+                <a:effectLst/>
+                <a:latin typeface="+mj-lt"/>
+              </a:rPr>
+              <a:t>Rule of Diversity: Distrust all claims for “one true way”.</a:t>
+            </a:r>
+          </a:p>
+          <a:p>
+            <a:pPr marL="514350" indent="-514350" algn="l">
+              <a:buFont typeface="+mj-lt"/>
+              <a:buAutoNum type="arabicPeriod" startAt="10"/>
+            </a:pPr>
+            <a:r>
+              <a:rPr lang="en-US" b="0" i="0" dirty="0">
+                <a:solidFill>
+                  <a:srgbClr val="000000"/>
+                </a:solidFill>
+                <a:effectLst/>
+                <a:latin typeface="+mj-lt"/>
+              </a:rPr>
+              <a:t>Rule of Extensibility: Design for the future, because it will be here sooner than you think.</a:t>
+            </a:r>
+          </a:p>
+        </p:txBody>
+      </p:sp>
+      <p:pic>
+        <p:nvPicPr>
+          <p:cNvPr id="5" name="Picture 4">
+            <a:extLst>
+              <a:ext uri="{FF2B5EF4-FFF2-40B4-BE49-F238E27FC236}">
+                <a16:creationId xmlns:a16="http://schemas.microsoft.com/office/drawing/2014/main" id="{65C14088-2787-0526-FCC1-099861EC5662}"/>
+              </a:ext>
+            </a:extLst>
+          </p:cNvPr>
+          <p:cNvPicPr>
+            <a:picLocks noChangeAspect="1"/>
+          </p:cNvPicPr>
+          <p:nvPr/>
+        </p:nvPicPr>
+        <p:blipFill>
+          <a:blip r:embed="rId3"/>
+          <a:stretch>
+            <a:fillRect/>
+          </a:stretch>
+        </p:blipFill>
+        <p:spPr>
+          <a:xfrm>
+            <a:off x="8448676" y="2308049"/>
+            <a:ext cx="2307294" cy="3068837"/>
+          </a:xfrm>
+          <a:prstGeom prst="rect">
+            <a:avLst/>
+          </a:prstGeom>
+        </p:spPr>
+      </p:pic>
+    </p:spTree>
+    <p:extLst>
+      <p:ext uri="{BB962C8B-B14F-4D97-AF65-F5344CB8AC3E}">
+        <p14:creationId xmlns:p14="http://schemas.microsoft.com/office/powerpoint/2010/main" val="2803439517"/>
+      </p:ext>
+    </p:extLst>
+  </p:cSld>
+  <p:clrMapOvr>
+    <a:masterClrMapping/>
+  </p:clrMapOvr>
+</p:sld>
+</file>
+
+<file path=ppt/slides/slide11.xml><?xml version="1.0" encoding="utf-8"?>
+<p:sld xmlns:a="http://schemas.openxmlformats.org/drawingml/2006/main" xmlns:r="http://schemas.openxmlformats.org/officeDocument/2006/relationships" xmlns:p="http://schemas.openxmlformats.org/presentationml/2006/main">
+  <p:cSld>
+    <p:spTree>
+      <p:nvGrpSpPr>
         <p:cNvPr id="1" name="Shape 84"/>
         <p:cNvGrpSpPr/>
         <p:nvPr/>
@@ -5614,7 +6033,7 @@
               <a:buNone/>
             </a:pPr>
             <a:r>
-              <a:rPr lang="en" sz="1867">
+              <a:rPr lang="en" sz="1867" dirty="0">
                 <a:solidFill>
                   <a:srgbClr val="292929"/>
                 </a:solidFill>
@@ -5629,7 +6048,7 @@
               <a:t>cat</a:t>
             </a:r>
             <a:r>
-              <a:rPr lang="en">
+              <a:rPr lang="en" dirty="0">
                 <a:solidFill>
                   <a:srgbClr val="292929"/>
                 </a:solidFill>
@@ -5641,9 +6060,39 @@
                 <a:cs typeface="Georgia"/>
                 <a:sym typeface="Georgia"/>
               </a:rPr>
-              <a:t> does exactly one thing. It concatenates files and displays them on standard output. That’s all it does. It doesn’t do pagination. It doesn’t offer search functionality. It just does exactly what it says on the tin and no more.</a:t>
-            </a:r>
-            <a:endParaRPr>
+              <a:t> </a:t>
+            </a:r>
+            <a:r>
+              <a:rPr lang="en" dirty="0">
+                <a:solidFill>
+                  <a:srgbClr val="292929"/>
+                </a:solidFill>
+                <a:highlight>
+                  <a:srgbClr val="FFFFFF"/>
+                </a:highlight>
+                <a:latin typeface="+mj-lt"/>
+                <a:ea typeface="Georgia"/>
+                <a:cs typeface="Georgia"/>
+                <a:sym typeface="Georgia"/>
+              </a:rPr>
+              <a:t>does exactly one thing. It concatenates files and displays them on standard output. That’s all it does. It doesn’t do pagination. It doesn’t offer search functionality. It just does exactly what it says on the tin and no more</a:t>
+            </a:r>
+            <a:r>
+              <a:rPr lang="en" dirty="0">
+                <a:solidFill>
+                  <a:srgbClr val="292929"/>
+                </a:solidFill>
+                <a:highlight>
+                  <a:srgbClr val="FFFFFF"/>
+                </a:highlight>
+                <a:latin typeface="Georgia"/>
+                <a:ea typeface="Georgia"/>
+                <a:cs typeface="Georgia"/>
+                <a:sym typeface="Georgia"/>
+              </a:rPr>
+              <a:t>.</a:t>
+            </a:r>
+            <a:endParaRPr dirty="0">
               <a:solidFill>
                 <a:srgbClr val="292929"/>
               </a:solidFill>
@@ -5671,7 +6120,7 @@
               <a:buNone/>
             </a:pPr>
             <a:r>
-              <a:rPr lang="en" sz="1867">
+              <a:rPr lang="en" sz="1867" dirty="0">
                 <a:solidFill>
                   <a:srgbClr val="292929"/>
                 </a:solidFill>
@@ -5686,7 +6135,7 @@
               <a:t>true</a:t>
             </a:r>
             <a:r>
-              <a:rPr lang="en">
+              <a:rPr lang="en" dirty="0">
                 <a:solidFill>
                   <a:srgbClr val="292929"/>
                 </a:solidFill>
@@ -5698,10 +6147,40 @@
                 <a:cs typeface="Georgia"/>
                 <a:sym typeface="Georgia"/>
               </a:rPr>
-              <a:t> and </a:t>
-            </a:r>
-            <a:r>
-              <a:rPr lang="en" sz="1867">
+              <a:t> </a:t>
+            </a:r>
+            <a:r>
+              <a:rPr lang="en" dirty="0">
+                <a:solidFill>
+                  <a:srgbClr val="292929"/>
+                </a:solidFill>
+                <a:highlight>
+                  <a:srgbClr val="FFFFFF"/>
+                </a:highlight>
+                <a:latin typeface="+mj-lt"/>
+                <a:ea typeface="Georgia"/>
+                <a:cs typeface="Georgia"/>
+                <a:sym typeface="Georgia"/>
+              </a:rPr>
+              <a:t>and</a:t>
+            </a:r>
+            <a:r>
+              <a:rPr lang="en" dirty="0">
+                <a:solidFill>
+                  <a:srgbClr val="292929"/>
+                </a:solidFill>
+                <a:highlight>
+                  <a:srgbClr val="FFFFFF"/>
+                </a:highlight>
+                <a:latin typeface="Georgia"/>
+                <a:ea typeface="Georgia"/>
+                <a:cs typeface="Georgia"/>
+                <a:sym typeface="Georgia"/>
+              </a:rPr>
+              <a:t> </a:t>
+            </a:r>
+            <a:r>
+              <a:rPr lang="en" sz="1867" dirty="0">
                 <a:solidFill>
                   <a:srgbClr val="292929"/>
                 </a:solidFill>
@@ -5716,7 +6195,7 @@
               <a:t>false</a:t>
             </a:r>
             <a:r>
-              <a:rPr lang="en">
+              <a:rPr lang="en" dirty="0">
                 <a:solidFill>
                   <a:srgbClr val="292929"/>
                 </a:solidFill>
@@ -5728,10 +6207,40 @@
                 <a:cs typeface="Georgia"/>
                 <a:sym typeface="Georgia"/>
               </a:rPr>
-              <a:t> are perhaps the best examples of doing one thing well. </a:t>
-            </a:r>
-            <a:r>
-              <a:rPr lang="en" sz="1867">
+              <a:t> </a:t>
+            </a:r>
+            <a:r>
+              <a:rPr lang="en" dirty="0">
+                <a:solidFill>
+                  <a:srgbClr val="292929"/>
+                </a:solidFill>
+                <a:highlight>
+                  <a:srgbClr val="FFFFFF"/>
+                </a:highlight>
+                <a:latin typeface="+mj-lt"/>
+                <a:ea typeface="Georgia"/>
+                <a:cs typeface="Georgia"/>
+                <a:sym typeface="Georgia"/>
+              </a:rPr>
+              <a:t>are perhaps the best examples of doing one thing well.</a:t>
+            </a:r>
+            <a:r>
+              <a:rPr lang="en" dirty="0">
+                <a:solidFill>
+                  <a:srgbClr val="292929"/>
+                </a:solidFill>
+                <a:highlight>
+                  <a:srgbClr val="FFFFFF"/>
+                </a:highlight>
+                <a:latin typeface="Georgia"/>
+                <a:ea typeface="Georgia"/>
+                <a:cs typeface="Georgia"/>
+                <a:sym typeface="Georgia"/>
+              </a:rPr>
+              <a:t> </a:t>
+            </a:r>
+            <a:r>
+              <a:rPr lang="en" sz="1867" dirty="0">
                 <a:solidFill>
                   <a:srgbClr val="292929"/>
                 </a:solidFill>
@@ -5746,7 +6255,7 @@
               <a:t>true</a:t>
             </a:r>
             <a:r>
-              <a:rPr lang="en">
+              <a:rPr lang="en" dirty="0">
                 <a:solidFill>
                   <a:srgbClr val="292929"/>
                 </a:solidFill>
@@ -5758,10 +6267,40 @@
                 <a:cs typeface="Georgia"/>
                 <a:sym typeface="Georgia"/>
               </a:rPr>
-              <a:t> does nothing, successfully! </a:t>
-            </a:r>
-            <a:r>
-              <a:rPr lang="en" sz="1867">
+              <a:t> </a:t>
+            </a:r>
+            <a:r>
+              <a:rPr lang="en" dirty="0">
+                <a:solidFill>
+                  <a:srgbClr val="292929"/>
+                </a:solidFill>
+                <a:highlight>
+                  <a:srgbClr val="FFFFFF"/>
+                </a:highlight>
+                <a:latin typeface="+mj-lt"/>
+                <a:ea typeface="Georgia"/>
+                <a:cs typeface="Georgia"/>
+                <a:sym typeface="Georgia"/>
+              </a:rPr>
+              <a:t>does nothing, successfully!</a:t>
+            </a:r>
+            <a:r>
+              <a:rPr lang="en" dirty="0">
+                <a:solidFill>
+                  <a:srgbClr val="292929"/>
+                </a:solidFill>
+                <a:highlight>
+                  <a:srgbClr val="FFFFFF"/>
+                </a:highlight>
+                <a:latin typeface="Georgia"/>
+                <a:ea typeface="Georgia"/>
+                <a:cs typeface="Georgia"/>
+                <a:sym typeface="Georgia"/>
+              </a:rPr>
+              <a:t> </a:t>
+            </a:r>
+            <a:r>
+              <a:rPr lang="en" sz="1867" dirty="0">
                 <a:solidFill>
                   <a:srgbClr val="292929"/>
                 </a:solidFill>
@@ -5776,7 +6315,7 @@
               <a:t>false</a:t>
             </a:r>
             <a:r>
-              <a:rPr lang="en">
+              <a:rPr lang="en" dirty="0">
                 <a:solidFill>
                   <a:srgbClr val="292929"/>
                 </a:solidFill>
@@ -5788,16 +6327,31 @@
                 <a:cs typeface="Georgia"/>
                 <a:sym typeface="Georgia"/>
               </a:rPr>
-              <a:t> does nothing.</a:t>
-            </a:r>
-            <a:endParaRPr>
+              <a:t> </a:t>
+            </a:r>
+            <a:r>
+              <a:rPr lang="en" dirty="0">
+                <a:solidFill>
+                  <a:srgbClr val="292929"/>
+                </a:solidFill>
+                <a:highlight>
+                  <a:srgbClr val="FFFFFF"/>
+                </a:highlight>
+                <a:latin typeface="+mj-lt"/>
+                <a:ea typeface="Georgia"/>
+                <a:cs typeface="Georgia"/>
+                <a:sym typeface="Georgia"/>
+              </a:rPr>
+              <a:t>does nothing.</a:t>
+            </a:r>
+            <a:endParaRPr dirty="0">
               <a:solidFill>
                 <a:srgbClr val="292929"/>
               </a:solidFill>
               <a:highlight>
                 <a:srgbClr val="FFFFFF"/>
               </a:highlight>
-              <a:latin typeface="Georgia"/>
+              <a:latin typeface="+mj-lt"/>
               <a:ea typeface="Georgia"/>
               <a:cs typeface="Georgia"/>
               <a:sym typeface="Georgia"/>
@@ -5818,7 +6372,7 @@
               <a:buNone/>
             </a:pPr>
             <a:r>
-              <a:rPr lang="en" sz="1867">
+              <a:rPr lang="en" sz="1867" dirty="0">
                 <a:solidFill>
                   <a:srgbClr val="292929"/>
                 </a:solidFill>
@@ -5832,7 +6386,7 @@
               </a:rPr>
               <a:t>false &amp;&amp; echo Hi    # does nothing</a:t>
             </a:r>
-            <a:endParaRPr sz="1867">
+            <a:endParaRPr sz="1867" dirty="0">
               <a:solidFill>
                 <a:srgbClr val="292929"/>
               </a:solidFill>
@@ -5860,7 +6414,7 @@
               <a:buNone/>
             </a:pPr>
             <a:r>
-              <a:rPr lang="en" sz="1867">
+              <a:rPr lang="en" sz="1867" dirty="0">
                 <a:solidFill>
                   <a:srgbClr val="292929"/>
                 </a:solidFill>
@@ -5874,7 +6428,7 @@
               </a:rPr>
               <a:t>true  &amp;&amp; echo Hi    # Prints Hi</a:t>
             </a:r>
-            <a:endParaRPr sz="1867">
+            <a:endParaRPr sz="1867" dirty="0">
               <a:solidFill>
                 <a:srgbClr val="292929"/>
               </a:solidFill>
@@ -5897,7 +6451,7 @@
               </a:spcAft>
               <a:buNone/>
             </a:pPr>
-            <a:endParaRPr sz="2133">
+            <a:endParaRPr sz="2133" dirty="0">
               <a:solidFill>
                 <a:srgbClr val="292929"/>
               </a:solidFill>
@@ -5920,7 +6474,7 @@
 </p:sld>
 </file>
 
-<file path=ppt/slides/slide11.xml><?xml version="1.0" encoding="utf-8"?>
+<file path=ppt/slides/slide12.xml><?xml version="1.0" encoding="utf-8"?>
 <p:sld xmlns:a="http://schemas.openxmlformats.org/drawingml/2006/main" xmlns:r="http://schemas.openxmlformats.org/officeDocument/2006/relationships" xmlns:p="http://schemas.openxmlformats.org/presentationml/2006/main">
   <p:cSld>
     <p:spTree>
@@ -6034,7 +6588,7 @@
 </p:sld>
 </file>
 
-<file path=ppt/slides/slide12.xml><?xml version="1.0" encoding="utf-8"?>
+<file path=ppt/slides/slide13.xml><?xml version="1.0" encoding="utf-8"?>
 <p:sld xmlns:a="http://schemas.openxmlformats.org/drawingml/2006/main" xmlns:r="http://schemas.openxmlformats.org/officeDocument/2006/relationships" xmlns:p="http://schemas.openxmlformats.org/presentationml/2006/main">
   <p:cSld>
     <p:spTree>
@@ -6123,7 +6677,7 @@
                 <a:highlight>
                   <a:srgbClr val="FFFFFF"/>
                 </a:highlight>
-                <a:latin typeface="Georgia"/>
+                <a:latin typeface="+mj-lt"/>
                 <a:ea typeface="Georgia"/>
                 <a:cs typeface="Georgia"/>
                 <a:sym typeface="Georgia"/>
@@ -6158,7 +6712,37 @@
                 <a:cs typeface="Georgia"/>
                 <a:sym typeface="Georgia"/>
               </a:rPr>
-              <a:t> and  </a:t>
+              <a:t> </a:t>
+            </a:r>
+            <a:r>
+              <a:rPr lang="en" dirty="0">
+                <a:solidFill>
+                  <a:srgbClr val="292929"/>
+                </a:solidFill>
+                <a:highlight>
+                  <a:srgbClr val="FFFFFF"/>
+                </a:highlight>
+                <a:latin typeface="+mj-lt"/>
+                <a:ea typeface="Georgia"/>
+                <a:cs typeface="Georgia"/>
+                <a:sym typeface="Georgia"/>
+              </a:rPr>
+              <a:t>and</a:t>
+            </a:r>
+            <a:r>
+              <a:rPr lang="en" dirty="0">
+                <a:solidFill>
+                  <a:srgbClr val="292929"/>
+                </a:solidFill>
+                <a:highlight>
+                  <a:srgbClr val="FFFFFF"/>
+                </a:highlight>
+                <a:latin typeface="Georgia"/>
+                <a:ea typeface="Georgia"/>
+                <a:cs typeface="Georgia"/>
+                <a:sym typeface="Georgia"/>
+              </a:rPr>
+              <a:t>  </a:t>
             </a:r>
             <a:r>
               <a:rPr lang="en" sz="1867" dirty="0">
@@ -6188,8 +6772,50 @@
                 <a:cs typeface="Georgia"/>
                 <a:sym typeface="Georgia"/>
               </a:rPr>
-              <a:t>  we can feed the output of one program to another. Let’s look at some examples:</a:t>
-            </a:r>
+              <a:t>  </a:t>
+            </a:r>
+            <a:r>
+              <a:rPr lang="en" dirty="0">
+                <a:solidFill>
+                  <a:srgbClr val="292929"/>
+                </a:solidFill>
+                <a:highlight>
+                  <a:srgbClr val="FFFFFF"/>
+                </a:highlight>
+                <a:latin typeface="+mj-lt"/>
+                <a:ea typeface="Georgia"/>
+                <a:cs typeface="Georgia"/>
+                <a:sym typeface="Georgia"/>
+              </a:rPr>
+              <a:t>we can feed the output of one program to another. Let’s look at some examples:</a:t>
+            </a:r>
+            <a:endParaRPr dirty="0">
+              <a:solidFill>
+                <a:srgbClr val="292929"/>
+              </a:solidFill>
+              <a:highlight>
+                <a:srgbClr val="FFFFFF"/>
+              </a:highlight>
+              <a:latin typeface="+mj-lt"/>
+              <a:ea typeface="Georgia"/>
+              <a:cs typeface="Georgia"/>
+              <a:sym typeface="Georgia"/>
+            </a:endParaRPr>
+          </a:p>
+          <a:p>
+            <a:pPr marL="0" indent="0">
+              <a:lnSpc>
+                <a:spcPct val="115000"/>
+              </a:lnSpc>
+              <a:spcBef>
+                <a:spcPts val="933"/>
+              </a:spcBef>
+              <a:buClr>
+                <a:schemeClr val="dk1"/>
+              </a:buClr>
+              <a:buSzPts val="1100"/>
+              <a:buNone/>
+            </a:pPr>
             <a:endParaRPr dirty="0">
               <a:solidFill>
                 <a:srgbClr val="292929"/>
@@ -6217,33 +6843,51 @@
               <a:buSzPts val="1100"/>
               <a:buNone/>
             </a:pPr>
-            <a:endParaRPr dirty="0">
-              <a:solidFill>
-                <a:srgbClr val="292929"/>
-              </a:solidFill>
-              <a:highlight>
-                <a:srgbClr val="FFFFFF"/>
-              </a:highlight>
-              <a:latin typeface="Georgia"/>
-              <a:ea typeface="Georgia"/>
-              <a:cs typeface="Georgia"/>
-              <a:sym typeface="Georgia"/>
-            </a:endParaRPr>
-          </a:p>
-          <a:p>
-            <a:pPr marL="0" indent="0">
-              <a:lnSpc>
-                <a:spcPct val="115000"/>
-              </a:lnSpc>
-              <a:spcBef>
-                <a:spcPts val="933"/>
-              </a:spcBef>
-              <a:buClr>
-                <a:schemeClr val="dk1"/>
-              </a:buClr>
-              <a:buSzPts val="1100"/>
-              <a:buNone/>
-            </a:pPr>
+            <a:r>
+              <a:rPr lang="en" dirty="0">
+                <a:solidFill>
+                  <a:srgbClr val="292929"/>
+                </a:solidFill>
+                <a:highlight>
+                  <a:srgbClr val="FFFFFF"/>
+                </a:highlight>
+                <a:latin typeface="+mj-lt"/>
+                <a:ea typeface="Georgia"/>
+                <a:cs typeface="Georgia"/>
+                <a:sym typeface="Georgia"/>
+              </a:rPr>
+              <a:t>In this example, we use </a:t>
+            </a:r>
+            <a:r>
+              <a:rPr lang="en" sz="1867" dirty="0">
+                <a:solidFill>
+                  <a:srgbClr val="292929"/>
+                </a:solidFill>
+                <a:highlight>
+                  <a:srgbClr val="F2F2F2"/>
+                </a:highlight>
+                <a:latin typeface="+mj-lt"/>
+                <a:ea typeface="Courier New"/>
+                <a:cs typeface="Courier New"/>
+                <a:sym typeface="Courier New"/>
+              </a:rPr>
+              <a:t>cat</a:t>
+            </a:r>
+            <a:r>
+              <a:rPr lang="en" dirty="0">
+                <a:solidFill>
+                  <a:srgbClr val="292929"/>
+                </a:solidFill>
+                <a:highlight>
+                  <a:srgbClr val="FFFFFF"/>
+                </a:highlight>
+                <a:latin typeface="+mj-lt"/>
+                <a:ea typeface="Georgia"/>
+                <a:cs typeface="Georgia"/>
+                <a:sym typeface="Georgia"/>
+              </a:rPr>
+              <a:t> to output the contents of a file and feed the output into</a:t>
+            </a:r>
             <a:r>
               <a:rPr lang="en" dirty="0">
                 <a:solidFill>
@@ -6257,37 +6901,7 @@
                 <a:cs typeface="Georgia"/>
                 <a:sym typeface="Georgia"/>
               </a:rPr>
-              <a:t>In this example, we use </a:t>
-            </a:r>
-            <a:r>
-              <a:rPr lang="en" sz="1867" dirty="0">
-                <a:solidFill>
-                  <a:srgbClr val="292929"/>
-                </a:solidFill>
-                <a:highlight>
-                  <a:srgbClr val="F2F2F2"/>
-                </a:highlight>
-                <a:latin typeface="Courier New"/>
-                <a:ea typeface="Courier New"/>
-                <a:cs typeface="Courier New"/>
-                <a:sym typeface="Courier New"/>
-              </a:rPr>
-              <a:t>cat</a:t>
-            </a:r>
-            <a:r>
-              <a:rPr lang="en" dirty="0">
-                <a:solidFill>
-                  <a:srgbClr val="292929"/>
-                </a:solidFill>
-                <a:highlight>
-                  <a:srgbClr val="FFFFFF"/>
-                </a:highlight>
-                <a:latin typeface="Georgia"/>
-                <a:ea typeface="Georgia"/>
-                <a:cs typeface="Georgia"/>
-                <a:sym typeface="Georgia"/>
-              </a:rPr>
-              <a:t> to output the contents of a file and feed the output into </a:t>
+              <a:t> </a:t>
             </a:r>
             <a:r>
               <a:rPr lang="en" sz="1867" dirty="0">
@@ -6317,7 +6931,22 @@
                 <a:cs typeface="Georgia"/>
                 <a:sym typeface="Georgia"/>
               </a:rPr>
-              <a:t> who can count the number of lines in a file.</a:t>
+              <a:t> </a:t>
+            </a:r>
+            <a:r>
+              <a:rPr lang="en" dirty="0">
+                <a:solidFill>
+                  <a:srgbClr val="292929"/>
+                </a:solidFill>
+                <a:highlight>
+                  <a:srgbClr val="FFFFFF"/>
+                </a:highlight>
+                <a:latin typeface="+mj-lt"/>
+                <a:ea typeface="Georgia"/>
+                <a:cs typeface="Georgia"/>
+                <a:sym typeface="Georgia"/>
+              </a:rPr>
+              <a:t>who can count the number of lines in a file.</a:t>
             </a:r>
             <a:endParaRPr dirty="0">
               <a:solidFill>
@@ -6326,7 +6955,7 @@
               <a:highlight>
                 <a:srgbClr val="FFFFFF"/>
               </a:highlight>
-              <a:latin typeface="Georgia"/>
+              <a:latin typeface="+mj-lt"/>
               <a:ea typeface="Georgia"/>
               <a:cs typeface="Georgia"/>
               <a:sym typeface="Georgia"/>
@@ -6399,7 +7028,7 @@
 </p:sld>
 </file>
 
-<file path=ppt/slides/slide13.xml><?xml version="1.0" encoding="utf-8"?>
+<file path=ppt/slides/slide14.xml><?xml version="1.0" encoding="utf-8"?>
 <p:sld xmlns:a="http://schemas.openxmlformats.org/drawingml/2006/main" xmlns:r="http://schemas.openxmlformats.org/officeDocument/2006/relationships" xmlns:p="http://schemas.openxmlformats.org/presentationml/2006/main">
   <p:cSld>
     <p:spTree>
@@ -6634,7 +7263,7 @@
 </p:sld>
 </file>
 
-<file path=ppt/slides/slide14.xml><?xml version="1.0" encoding="utf-8"?>
+<file path=ppt/slides/slide15.xml><?xml version="1.0" encoding="utf-8"?>
 <p:sld xmlns:a="http://schemas.openxmlformats.org/drawingml/2006/main" xmlns:r="http://schemas.openxmlformats.org/officeDocument/2006/relationships" xmlns:p="http://schemas.openxmlformats.org/presentationml/2006/main">
   <p:cSld>
     <p:spTree>
@@ -6690,14 +7319,14 @@
               <a:buNone/>
             </a:pPr>
             <a:r>
-              <a:rPr lang="en" sz="2133">
+              <a:rPr lang="en" sz="2133" dirty="0">
                 <a:solidFill>
                   <a:srgbClr val="292929"/>
                 </a:solidFill>
                 <a:highlight>
                   <a:srgbClr val="FFFFFF"/>
                 </a:highlight>
-                <a:latin typeface="Georgia"/>
+                <a:latin typeface="+mj-lt"/>
                 <a:ea typeface="Georgia"/>
                 <a:cs typeface="Georgia"/>
                 <a:sym typeface="Georgia"/>
@@ -6705,28 +7334,28 @@
               <a:t>S</a:t>
             </a:r>
             <a:r>
-              <a:rPr lang="en">
+              <a:rPr lang="en" dirty="0">
                 <a:solidFill>
                   <a:srgbClr val="292929"/>
                 </a:solidFill>
                 <a:highlight>
                   <a:srgbClr val="FFFFFF"/>
                 </a:highlight>
-                <a:latin typeface="Georgia"/>
+                <a:latin typeface="+mj-lt"/>
                 <a:ea typeface="Georgia"/>
                 <a:cs typeface="Georgia"/>
                 <a:sym typeface="Georgia"/>
               </a:rPr>
               <a:t>ome examples:</a:t>
             </a:r>
-            <a:endParaRPr>
+            <a:endParaRPr dirty="0">
               <a:solidFill>
                 <a:srgbClr val="292929"/>
               </a:solidFill>
               <a:highlight>
                 <a:srgbClr val="FFFFFF"/>
               </a:highlight>
-              <a:latin typeface="Georgia"/>
+              <a:latin typeface="+mj-lt"/>
               <a:ea typeface="Georgia"/>
               <a:cs typeface="Georgia"/>
               <a:sym typeface="Georgia"/>
@@ -6747,7 +7376,7 @@
               <a:buNone/>
             </a:pPr>
             <a:r>
-              <a:rPr lang="en" sz="1867">
+              <a:rPr lang="en" sz="1867" dirty="0">
                 <a:solidFill>
                   <a:srgbClr val="292929"/>
                 </a:solidFill>
@@ -6761,7 +7390,7 @@
               </a:rPr>
               <a:t>cat /proc/cpuinfo       # Displays your CPU info exposed as a file</a:t>
             </a:r>
-            <a:endParaRPr sz="1867">
+            <a:endParaRPr sz="1867" dirty="0">
               <a:solidFill>
                 <a:srgbClr val="292929"/>
               </a:solidFill>
@@ -6789,7 +7418,7 @@
               <a:buNone/>
             </a:pPr>
             <a:r>
-              <a:rPr lang="en" sz="1867">
+              <a:rPr lang="en" sz="1867" dirty="0">
                 <a:solidFill>
                   <a:srgbClr val="292929"/>
                 </a:solidFill>
@@ -6801,81 +7430,9 @@
                 <a:cs typeface="Courier New"/>
                 <a:sym typeface="Courier New"/>
               </a:rPr>
-              <a:t>echo "This is the next line in the log" &gt;&gt; log.file  # Redirects output         into a file called log.file</a:t>
-            </a:r>
-            <a:endParaRPr sz="1867">
-              <a:solidFill>
-                <a:srgbClr val="292929"/>
-              </a:solidFill>
-              <a:highlight>
-                <a:srgbClr val="F2F2F2"/>
-              </a:highlight>
-              <a:latin typeface="Courier New"/>
-              <a:ea typeface="Courier New"/>
-              <a:cs typeface="Courier New"/>
-              <a:sym typeface="Courier New"/>
-            </a:endParaRPr>
-          </a:p>
-          <a:p>
-            <a:pPr marL="253994" marR="253994" indent="0">
-              <a:lnSpc>
-                <a:spcPct val="200000"/>
-              </a:lnSpc>
-              <a:spcBef>
-                <a:spcPts val="933"/>
-              </a:spcBef>
-              <a:buClr>
-                <a:schemeClr val="dk1"/>
-              </a:buClr>
-              <a:buSzPts val="1100"/>
-              <a:buNone/>
-            </a:pPr>
-            <a:endParaRPr sz="1867">
-              <a:solidFill>
-                <a:srgbClr val="292929"/>
-              </a:solidFill>
-              <a:highlight>
-                <a:srgbClr val="F2F2F2"/>
-              </a:highlight>
-              <a:latin typeface="Courier New"/>
-              <a:ea typeface="Courier New"/>
-              <a:cs typeface="Courier New"/>
-              <a:sym typeface="Courier New"/>
-            </a:endParaRPr>
-          </a:p>
-          <a:p>
-            <a:pPr marL="253994" marR="253994" indent="0">
-              <a:lnSpc>
-                <a:spcPct val="200000"/>
-              </a:lnSpc>
-              <a:spcBef>
-                <a:spcPts val="933"/>
-              </a:spcBef>
-              <a:spcAft>
-                <a:spcPts val="933"/>
-              </a:spcAft>
-              <a:buClr>
-                <a:schemeClr val="dk1"/>
-              </a:buClr>
-              <a:buSzPts val="1100"/>
-              <a:buNone/>
-            </a:pPr>
-            <a:r>
-              <a:rPr lang="en" sz="1867">
-                <a:solidFill>
-                  <a:srgbClr val="292929"/>
-                </a:solidFill>
-                <a:highlight>
-                  <a:srgbClr val="F2F2F2"/>
-                </a:highlight>
-                <a:latin typeface="Courier New"/>
-                <a:ea typeface="Courier New"/>
-                <a:cs typeface="Courier New"/>
-                <a:sym typeface="Courier New"/>
-              </a:rPr>
-              <a:t>Example in code</a:t>
-            </a:r>
-            <a:endParaRPr sz="2667"/>
+              <a:t>echo "This is the next line in the log" &gt;&gt; log.file  # Redirects output         into a file called log.file Example in code</a:t>
+            </a:r>
+            <a:endParaRPr sz="2667" dirty="0"/>
           </a:p>
         </p:txBody>
       </p:sp>
@@ -6887,7 +7444,7 @@
 </p:sld>
 </file>
 
-<file path=ppt/slides/slide15.xml><?xml version="1.0" encoding="utf-8"?>
+<file path=ppt/slides/slide16.xml><?xml version="1.0" encoding="utf-8"?>
 <p:sld xmlns:a="http://schemas.openxmlformats.org/drawingml/2006/main" xmlns:r="http://schemas.openxmlformats.org/officeDocument/2006/relationships" xmlns:p="http://schemas.openxmlformats.org/presentationml/2006/main">
   <p:cSld>
     <p:spTree>
@@ -7011,7 +7568,7 @@
 </p:sld>
 </file>
 
-<file path=ppt/slides/slide16.xml><?xml version="1.0" encoding="utf-8"?>
+<file path=ppt/slides/slide17.xml><?xml version="1.0" encoding="utf-8"?>
 <p:sld xmlns:a="http://schemas.openxmlformats.org/drawingml/2006/main" xmlns:r="http://schemas.openxmlformats.org/officeDocument/2006/relationships" xmlns:p="http://schemas.openxmlformats.org/presentationml/2006/main">
   <p:cSld>
     <p:spTree>
@@ -7060,10 +7617,14 @@
               <a:buNone/>
             </a:pPr>
             <a:r>
-              <a:rPr lang="en" sz="1733"/>
+              <a:rPr lang="en" sz="1733" dirty="0">
+                <a:latin typeface="Consolas" panose="020B0609020204030204" pitchFamily="49" charset="0"/>
+              </a:rPr>
               <a:t>func upper(f *os.File) {</a:t>
             </a:r>
-            <a:endParaRPr sz="1733"/>
+            <a:endParaRPr sz="1733" dirty="0">
+              <a:latin typeface="Consolas" panose="020B0609020204030204" pitchFamily="49" charset="0"/>
+            </a:endParaRPr>
           </a:p>
           <a:p>
             <a:pPr marL="0" indent="0">
@@ -7073,10 +7634,14 @@
               <a:buNone/>
             </a:pPr>
             <a:r>
-              <a:rPr lang="en" sz="1733"/>
+              <a:rPr lang="en" sz="1733" dirty="0">
+                <a:latin typeface="Consolas" panose="020B0609020204030204" pitchFamily="49" charset="0"/>
+              </a:rPr>
               <a:t>	input := bufio.NewScanner(f)</a:t>
             </a:r>
-            <a:endParaRPr sz="1733"/>
+            <a:endParaRPr sz="1733" dirty="0">
+              <a:latin typeface="Consolas" panose="020B0609020204030204" pitchFamily="49" charset="0"/>
+            </a:endParaRPr>
           </a:p>
           <a:p>
             <a:pPr marL="0" indent="0">
@@ -7086,10 +7651,14 @@
               <a:buNone/>
             </a:pPr>
             <a:r>
-              <a:rPr lang="en" sz="1733"/>
+              <a:rPr lang="en" sz="1733" dirty="0">
+                <a:latin typeface="Consolas" panose="020B0609020204030204" pitchFamily="49" charset="0"/>
+              </a:rPr>
               <a:t>	for input.Scan() {</a:t>
             </a:r>
-            <a:endParaRPr sz="1733"/>
+            <a:endParaRPr sz="1733" dirty="0">
+              <a:latin typeface="Consolas" panose="020B0609020204030204" pitchFamily="49" charset="0"/>
+            </a:endParaRPr>
           </a:p>
           <a:p>
             <a:pPr marL="0" indent="0">
@@ -7099,10 +7668,14 @@
               <a:buNone/>
             </a:pPr>
             <a:r>
-              <a:rPr lang="en" sz="1733"/>
+              <a:rPr lang="en" sz="1733" dirty="0">
+                <a:latin typeface="Consolas" panose="020B0609020204030204" pitchFamily="49" charset="0"/>
+              </a:rPr>
               <a:t>		fmt.Println(strings.ToUpper(input.Text()))</a:t>
             </a:r>
-            <a:endParaRPr sz="1733"/>
+            <a:endParaRPr sz="1733" dirty="0">
+              <a:latin typeface="Consolas" panose="020B0609020204030204" pitchFamily="49" charset="0"/>
+            </a:endParaRPr>
           </a:p>
           <a:p>
             <a:pPr marL="0" indent="0">
@@ -7112,10 +7685,14 @@
               <a:buNone/>
             </a:pPr>
             <a:r>
-              <a:rPr lang="en" sz="1733"/>
+              <a:rPr lang="en" sz="1733" dirty="0">
+                <a:latin typeface="Consolas" panose="020B0609020204030204" pitchFamily="49" charset="0"/>
+              </a:rPr>
               <a:t>	}</a:t>
             </a:r>
-            <a:endParaRPr sz="1733"/>
+            <a:endParaRPr sz="1733" dirty="0">
+              <a:latin typeface="Consolas" panose="020B0609020204030204" pitchFamily="49" charset="0"/>
+            </a:endParaRPr>
           </a:p>
           <a:p>
             <a:pPr marL="0" indent="0">
@@ -7125,10 +7702,14 @@
               <a:buNone/>
             </a:pPr>
             <a:r>
-              <a:rPr lang="en" sz="1733"/>
+              <a:rPr lang="en" sz="1733" dirty="0">
+                <a:latin typeface="Consolas" panose="020B0609020204030204" pitchFamily="49" charset="0"/>
+              </a:rPr>
               <a:t>}</a:t>
             </a:r>
-            <a:endParaRPr sz="1733"/>
+            <a:endParaRPr sz="1733" dirty="0">
+              <a:latin typeface="Consolas" panose="020B0609020204030204" pitchFamily="49" charset="0"/>
+            </a:endParaRPr>
           </a:p>
           <a:p>
             <a:pPr marL="0" indent="0">
@@ -7137,7 +7718,9 @@
               </a:lnSpc>
               <a:buNone/>
             </a:pPr>
-            <a:endParaRPr sz="1733"/>
+            <a:endParaRPr sz="1733" dirty="0">
+              <a:latin typeface="Consolas" panose="020B0609020204030204" pitchFamily="49" charset="0"/>
+            </a:endParaRPr>
           </a:p>
           <a:p>
             <a:pPr marL="0" indent="0">
@@ -7147,10 +7730,14 @@
               <a:buNone/>
             </a:pPr>
             <a:r>
-              <a:rPr lang="en" sz="1733"/>
+              <a:rPr lang="en" sz="1733" dirty="0">
+                <a:latin typeface="Consolas" panose="020B0609020204030204" pitchFamily="49" charset="0"/>
+              </a:rPr>
               <a:t>func main() {</a:t>
             </a:r>
-            <a:endParaRPr sz="1733"/>
+            <a:endParaRPr sz="1733" dirty="0">
+              <a:latin typeface="Consolas" panose="020B0609020204030204" pitchFamily="49" charset="0"/>
+            </a:endParaRPr>
           </a:p>
           <a:p>
             <a:pPr marL="0" indent="0">
@@ -7160,10 +7747,14 @@
               <a:buNone/>
             </a:pPr>
             <a:r>
-              <a:rPr lang="en" sz="1733"/>
+              <a:rPr lang="en" sz="1733" dirty="0">
+                <a:latin typeface="Consolas" panose="020B0609020204030204" pitchFamily="49" charset="0"/>
+              </a:rPr>
               <a:t>	files := os.Args[1:]</a:t>
             </a:r>
-            <a:endParaRPr sz="1733"/>
+            <a:endParaRPr sz="1733" dirty="0">
+              <a:latin typeface="Consolas" panose="020B0609020204030204" pitchFamily="49" charset="0"/>
+            </a:endParaRPr>
           </a:p>
           <a:p>
             <a:pPr marL="0" indent="0">
@@ -7173,10 +7764,14 @@
               <a:buNone/>
             </a:pPr>
             <a:r>
-              <a:rPr lang="en" sz="1733"/>
+              <a:rPr lang="en" sz="1733" dirty="0">
+                <a:latin typeface="Consolas" panose="020B0609020204030204" pitchFamily="49" charset="0"/>
+              </a:rPr>
               <a:t>	if len(files) == 0 {</a:t>
             </a:r>
-            <a:endParaRPr sz="1733"/>
+            <a:endParaRPr sz="1733" dirty="0">
+              <a:latin typeface="Consolas" panose="020B0609020204030204" pitchFamily="49" charset="0"/>
+            </a:endParaRPr>
           </a:p>
           <a:p>
             <a:pPr marL="0" indent="0">
@@ -7186,10 +7781,14 @@
               <a:buNone/>
             </a:pPr>
             <a:r>
-              <a:rPr lang="en" sz="1733"/>
+              <a:rPr lang="en" sz="1733" dirty="0">
+                <a:latin typeface="Consolas" panose="020B0609020204030204" pitchFamily="49" charset="0"/>
+              </a:rPr>
               <a:t>		upper(os.Stdin)</a:t>
             </a:r>
-            <a:endParaRPr sz="1733"/>
+            <a:endParaRPr sz="1733" dirty="0">
+              <a:latin typeface="Consolas" panose="020B0609020204030204" pitchFamily="49" charset="0"/>
+            </a:endParaRPr>
           </a:p>
           <a:p>
             <a:pPr marL="0" indent="0">
@@ -7199,10 +7798,14 @@
               <a:buNone/>
             </a:pPr>
             <a:r>
-              <a:rPr lang="en" sz="1733"/>
+              <a:rPr lang="en" sz="1733" dirty="0">
+                <a:latin typeface="Consolas" panose="020B0609020204030204" pitchFamily="49" charset="0"/>
+              </a:rPr>
               <a:t>	} else {</a:t>
             </a:r>
-            <a:endParaRPr sz="1733"/>
+            <a:endParaRPr sz="1733" dirty="0">
+              <a:latin typeface="Consolas" panose="020B0609020204030204" pitchFamily="49" charset="0"/>
+            </a:endParaRPr>
           </a:p>
           <a:p>
             <a:pPr marL="0" indent="0">
@@ -7212,10 +7815,14 @@
               <a:buNone/>
             </a:pPr>
             <a:r>
-              <a:rPr lang="en" sz="1733"/>
+              <a:rPr lang="en" sz="1733" dirty="0">
+                <a:latin typeface="Consolas" panose="020B0609020204030204" pitchFamily="49" charset="0"/>
+              </a:rPr>
               <a:t>		for _, file := range files {</a:t>
             </a:r>
-            <a:endParaRPr sz="1733"/>
+            <a:endParaRPr sz="1733" dirty="0">
+              <a:latin typeface="Consolas" panose="020B0609020204030204" pitchFamily="49" charset="0"/>
+            </a:endParaRPr>
           </a:p>
           <a:p>
             <a:pPr marL="0" indent="0">
@@ -7225,10 +7832,14 @@
               <a:buNone/>
             </a:pPr>
             <a:r>
-              <a:rPr lang="en" sz="1733"/>
+              <a:rPr lang="en" sz="1733" dirty="0">
+                <a:latin typeface="Consolas" panose="020B0609020204030204" pitchFamily="49" charset="0"/>
+              </a:rPr>
               <a:t>			f, err := os.Open(file)</a:t>
             </a:r>
-            <a:endParaRPr sz="1733"/>
+            <a:endParaRPr sz="1733" dirty="0">
+              <a:latin typeface="Consolas" panose="020B0609020204030204" pitchFamily="49" charset="0"/>
+            </a:endParaRPr>
           </a:p>
           <a:p>
             <a:pPr marL="0" indent="0">
@@ -7238,10 +7849,14 @@
               <a:buNone/>
             </a:pPr>
             <a:r>
-              <a:rPr lang="en" sz="1733"/>
+              <a:rPr lang="en" sz="1733" dirty="0">
+                <a:latin typeface="Consolas" panose="020B0609020204030204" pitchFamily="49" charset="0"/>
+              </a:rPr>
               <a:t>			if err != nil {</a:t>
             </a:r>
-            <a:endParaRPr sz="1733"/>
+            <a:endParaRPr sz="1733" dirty="0">
+              <a:latin typeface="Consolas" panose="020B0609020204030204" pitchFamily="49" charset="0"/>
+            </a:endParaRPr>
           </a:p>
           <a:p>
             <a:pPr marL="0" indent="0">
@@ -7251,10 +7866,14 @@
               <a:buNone/>
             </a:pPr>
             <a:r>
-              <a:rPr lang="en" sz="1733"/>
+              <a:rPr lang="en" sz="1733" dirty="0">
+                <a:latin typeface="Consolas" panose="020B0609020204030204" pitchFamily="49" charset="0"/>
+              </a:rPr>
               <a:t>				fmt.Fprintf(os.Stderr, "%s: %v\n", os.Args[0], err)</a:t>
             </a:r>
-            <a:endParaRPr sz="1733"/>
+            <a:endParaRPr sz="1733" dirty="0">
+              <a:latin typeface="Consolas" panose="020B0609020204030204" pitchFamily="49" charset="0"/>
+            </a:endParaRPr>
           </a:p>
           <a:p>
             <a:pPr marL="0" indent="0">
@@ -7264,10 +7883,14 @@
               <a:buNone/>
             </a:pPr>
             <a:r>
-              <a:rPr lang="en" sz="1733"/>
+              <a:rPr lang="en" sz="1733" dirty="0">
+                <a:latin typeface="Consolas" panose="020B0609020204030204" pitchFamily="49" charset="0"/>
+              </a:rPr>
               <a:t>				continue</a:t>
             </a:r>
-            <a:endParaRPr sz="1733"/>
+            <a:endParaRPr sz="1733" dirty="0">
+              <a:latin typeface="Consolas" panose="020B0609020204030204" pitchFamily="49" charset="0"/>
+            </a:endParaRPr>
           </a:p>
           <a:p>
             <a:pPr marL="0" indent="0">
@@ -7277,10 +7900,14 @@
               <a:buNone/>
             </a:pPr>
             <a:r>
-              <a:rPr lang="en" sz="1733"/>
+              <a:rPr lang="en" sz="1733" dirty="0">
+                <a:latin typeface="Consolas" panose="020B0609020204030204" pitchFamily="49" charset="0"/>
+              </a:rPr>
               <a:t>			}</a:t>
             </a:r>
-            <a:endParaRPr sz="1733"/>
+            <a:endParaRPr sz="1733" dirty="0">
+              <a:latin typeface="Consolas" panose="020B0609020204030204" pitchFamily="49" charset="0"/>
+            </a:endParaRPr>
           </a:p>
           <a:p>
             <a:pPr marL="0" indent="0">
@@ -7290,10 +7917,14 @@
               <a:buNone/>
             </a:pPr>
             <a:r>
-              <a:rPr lang="en" sz="1733"/>
+              <a:rPr lang="en" sz="1733" dirty="0">
+                <a:latin typeface="Consolas" panose="020B0609020204030204" pitchFamily="49" charset="0"/>
+              </a:rPr>
               <a:t>			upper(f)</a:t>
             </a:r>
-            <a:endParaRPr sz="1733"/>
+            <a:endParaRPr sz="1733" dirty="0">
+              <a:latin typeface="Consolas" panose="020B0609020204030204" pitchFamily="49" charset="0"/>
+            </a:endParaRPr>
           </a:p>
           <a:p>
             <a:pPr marL="0" indent="0">
@@ -7303,10 +7934,14 @@
               <a:buNone/>
             </a:pPr>
             <a:r>
-              <a:rPr lang="en" sz="1733"/>
+              <a:rPr lang="en" sz="1733" dirty="0">
+                <a:latin typeface="Consolas" panose="020B0609020204030204" pitchFamily="49" charset="0"/>
+              </a:rPr>
               <a:t>			f.Close()</a:t>
             </a:r>
-            <a:endParaRPr sz="1733"/>
+            <a:endParaRPr sz="1733" dirty="0">
+              <a:latin typeface="Consolas" panose="020B0609020204030204" pitchFamily="49" charset="0"/>
+            </a:endParaRPr>
           </a:p>
           <a:p>
             <a:pPr marL="0" indent="0">
@@ -7316,10 +7951,14 @@
               <a:buNone/>
             </a:pPr>
             <a:r>
-              <a:rPr lang="en" sz="1733"/>
+              <a:rPr lang="en" sz="1733" dirty="0">
+                <a:latin typeface="Consolas" panose="020B0609020204030204" pitchFamily="49" charset="0"/>
+              </a:rPr>
               <a:t>		}</a:t>
             </a:r>
-            <a:endParaRPr sz="1733"/>
+            <a:endParaRPr sz="1733" dirty="0">
+              <a:latin typeface="Consolas" panose="020B0609020204030204" pitchFamily="49" charset="0"/>
+            </a:endParaRPr>
           </a:p>
           <a:p>
             <a:pPr marL="0" indent="0">
@@ -7329,10 +7968,14 @@
               <a:buNone/>
             </a:pPr>
             <a:r>
-              <a:rPr lang="en" sz="1733"/>
+              <a:rPr lang="en" sz="1733" dirty="0">
+                <a:latin typeface="Consolas" panose="020B0609020204030204" pitchFamily="49" charset="0"/>
+              </a:rPr>
               <a:t>	}</a:t>
             </a:r>
-            <a:endParaRPr sz="1733"/>
+            <a:endParaRPr sz="1733" dirty="0">
+              <a:latin typeface="Consolas" panose="020B0609020204030204" pitchFamily="49" charset="0"/>
+            </a:endParaRPr>
           </a:p>
           <a:p>
             <a:pPr marL="0" indent="0">
@@ -7342,10 +7985,14 @@
               <a:buNone/>
             </a:pPr>
             <a:r>
-              <a:rPr lang="en" sz="1733"/>
+              <a:rPr lang="en" sz="1733" dirty="0">
+                <a:latin typeface="Consolas" panose="020B0609020204030204" pitchFamily="49" charset="0"/>
+              </a:rPr>
               <a:t>}</a:t>
             </a:r>
-            <a:endParaRPr/>
+            <a:endParaRPr dirty="0">
+              <a:latin typeface="Consolas" panose="020B0609020204030204" pitchFamily="49" charset="0"/>
+            </a:endParaRPr>
           </a:p>
         </p:txBody>
       </p:sp>
@@ -7357,7 +8004,7 @@
 </p:sld>
 </file>
 
-<file path=ppt/slides/slide17.xml><?xml version="1.0" encoding="utf-8"?>
+<file path=ppt/slides/slide18.xml><?xml version="1.0" encoding="utf-8"?>
 <p:sld xmlns:a="http://schemas.openxmlformats.org/drawingml/2006/main" xmlns:r="http://schemas.openxmlformats.org/officeDocument/2006/relationships" xmlns:p="http://schemas.openxmlformats.org/presentationml/2006/main">
   <p:cSld>
     <p:spTree>
@@ -7577,7 +8224,7 @@
 </p:sld>
 </file>
 
-<file path=ppt/slides/slide18.xml><?xml version="1.0" encoding="utf-8"?>
+<file path=ppt/slides/slide19.xml><?xml version="1.0" encoding="utf-8"?>
 <p:sld xmlns:a="http://schemas.openxmlformats.org/drawingml/2006/main" xmlns:r="http://schemas.openxmlformats.org/officeDocument/2006/relationships" xmlns:p="http://schemas.openxmlformats.org/presentationml/2006/main">
   <p:cSld>
     <p:spTree>
@@ -8242,236 +8889,6 @@
               <a:latin typeface="Courier New" panose="02070309020205020404" pitchFamily="49" charset="0"/>
               <a:cs typeface="Courier New" panose="02070309020205020404" pitchFamily="49" charset="0"/>
             </a:endParaRPr>
-          </a:p>
-        </p:txBody>
-      </p:sp>
-    </p:spTree>
-  </p:cSld>
-  <p:clrMapOvr>
-    <a:masterClrMapping/>
-  </p:clrMapOvr>
-</p:sld>
-</file>
-
-<file path=ppt/slides/slide19.xml><?xml version="1.0" encoding="utf-8"?>
-<p:sld xmlns:a="http://schemas.openxmlformats.org/drawingml/2006/main" xmlns:r="http://schemas.openxmlformats.org/officeDocument/2006/relationships" xmlns:p="http://schemas.openxmlformats.org/presentationml/2006/main">
-  <p:cSld>
-    <p:spTree>
-      <p:nvGrpSpPr>
-        <p:cNvPr id="1" name="Shape 135"/>
-        <p:cNvGrpSpPr/>
-        <p:nvPr/>
-      </p:nvGrpSpPr>
-      <p:grpSpPr>
-        <a:xfrm>
-          <a:off x="0" y="0"/>
-          <a:ext cx="0" cy="0"/>
-          <a:chOff x="0" y="0"/>
-          <a:chExt cx="0" cy="0"/>
-        </a:xfrm>
-      </p:grpSpPr>
-      <p:sp>
-        <p:nvSpPr>
-          <p:cNvPr id="136" name="Google Shape;136;p26"/>
-          <p:cNvSpPr txBox="1">
-            <a:spLocks noGrp="1"/>
-          </p:cNvSpPr>
-          <p:nvPr>
-            <p:ph type="title"/>
-          </p:nvPr>
-        </p:nvSpPr>
-        <p:spPr>
-          <a:xfrm>
-            <a:off x="415600" y="421233"/>
-            <a:ext cx="11360800" cy="1108400"/>
-          </a:xfrm>
-          <a:prstGeom prst="rect">
-            <a:avLst/>
-          </a:prstGeom>
-        </p:spPr>
-        <p:txBody>
-          <a:bodyPr spcFirstLastPara="1" vert="horz" wrap="square" lIns="121900" tIns="121900" rIns="121900" bIns="121900" rtlCol="0" anchor="b" anchorCtr="0">
-            <a:noAutofit/>
-          </a:bodyPr>
-          <a:lstStyle/>
-          <a:p>
-            <a:r>
-              <a:rPr lang="en"/>
-              <a:t>Composing Programs</a:t>
-            </a:r>
-            <a:endParaRPr/>
-          </a:p>
-        </p:txBody>
-      </p:sp>
-      <p:sp>
-        <p:nvSpPr>
-          <p:cNvPr id="137" name="Google Shape;137;p26"/>
-          <p:cNvSpPr txBox="1">
-            <a:spLocks noGrp="1"/>
-          </p:cNvSpPr>
-          <p:nvPr>
-            <p:ph type="body" idx="1"/>
-          </p:nvPr>
-        </p:nvSpPr>
-        <p:spPr>
-          <a:xfrm>
-            <a:off x="415600" y="1633633"/>
-            <a:ext cx="11360800" cy="4472000"/>
-          </a:xfrm>
-          <a:prstGeom prst="rect">
-            <a:avLst/>
-          </a:prstGeom>
-        </p:spPr>
-        <p:txBody>
-          <a:bodyPr spcFirstLastPara="1" vert="horz" wrap="square" lIns="121900" tIns="121900" rIns="121900" bIns="121900" rtlCol="0" anchor="t" anchorCtr="0">
-            <a:noAutofit/>
-          </a:bodyPr>
-          <a:lstStyle/>
-          <a:p>
-            <a:pPr marL="0" indent="0">
-              <a:buNone/>
-            </a:pPr>
-            <a:r>
-              <a:rPr lang="en"/>
-              <a:t>We build complex programs from simple ones</a:t>
-            </a:r>
-            <a:endParaRPr/>
-          </a:p>
-          <a:p>
-            <a:pPr marL="0" indent="0">
-              <a:spcBef>
-                <a:spcPts val="2133"/>
-              </a:spcBef>
-              <a:buNone/>
-            </a:pPr>
-            <a:r>
-              <a:rPr lang="en" sz="1600">
-                <a:solidFill>
-                  <a:srgbClr val="292929"/>
-                </a:solidFill>
-                <a:highlight>
-                  <a:srgbClr val="F2F2F2"/>
-                </a:highlight>
-                <a:latin typeface="Courier New"/>
-                <a:ea typeface="Courier New"/>
-                <a:cs typeface="Courier New"/>
-                <a:sym typeface="Courier New"/>
-              </a:rPr>
-              <a:t>#!/bin/bash</a:t>
-            </a:r>
-            <a:r>
-              <a:rPr lang="en"/>
-              <a:t> </a:t>
-            </a:r>
-            <a:endParaRPr/>
-          </a:p>
-          <a:p>
-            <a:pPr marL="0" indent="0">
-              <a:spcBef>
-                <a:spcPts val="2133"/>
-              </a:spcBef>
-              <a:buNone/>
-            </a:pPr>
-            <a:r>
-              <a:rPr lang="en" sz="1600">
-                <a:solidFill>
-                  <a:srgbClr val="292929"/>
-                </a:solidFill>
-                <a:highlight>
-                  <a:srgbClr val="F2F2F2"/>
-                </a:highlight>
-                <a:latin typeface="Courier New"/>
-                <a:ea typeface="Courier New"/>
-                <a:cs typeface="Courier New"/>
-                <a:sym typeface="Courier New"/>
-              </a:rPr>
-              <a:t>./uppercase | ./split</a:t>
-            </a:r>
-            <a:endParaRPr sz="1600">
-              <a:solidFill>
-                <a:srgbClr val="292929"/>
-              </a:solidFill>
-              <a:highlight>
-                <a:srgbClr val="F2F2F2"/>
-              </a:highlight>
-              <a:latin typeface="Courier New"/>
-              <a:ea typeface="Courier New"/>
-              <a:cs typeface="Courier New"/>
-              <a:sym typeface="Courier New"/>
-            </a:endParaRPr>
-          </a:p>
-          <a:p>
-            <a:pPr marL="0" indent="0">
-              <a:spcBef>
-                <a:spcPts val="2133"/>
-              </a:spcBef>
-              <a:buNone/>
-            </a:pPr>
-            <a:endParaRPr sz="1600">
-              <a:solidFill>
-                <a:srgbClr val="292929"/>
-              </a:solidFill>
-              <a:highlight>
-                <a:srgbClr val="F2F2F2"/>
-              </a:highlight>
-              <a:latin typeface="Courier New"/>
-              <a:ea typeface="Courier New"/>
-              <a:cs typeface="Courier New"/>
-              <a:sym typeface="Courier New"/>
-            </a:endParaRPr>
-          </a:p>
-          <a:p>
-            <a:pPr marL="0" indent="0">
-              <a:spcBef>
-                <a:spcPts val="2133"/>
-              </a:spcBef>
-              <a:buNone/>
-            </a:pPr>
-            <a:r>
-              <a:rPr lang="en"/>
-              <a:t>We build complex programs from simple ones</a:t>
-            </a:r>
-            <a:endParaRPr/>
-          </a:p>
-          <a:p>
-            <a:pPr marL="0" indent="0">
-              <a:spcBef>
-                <a:spcPts val="2133"/>
-              </a:spcBef>
-              <a:buClr>
-                <a:schemeClr val="dk1"/>
-              </a:buClr>
-              <a:buSzPts val="1100"/>
-              <a:buNone/>
-            </a:pPr>
-            <a:r>
-              <a:rPr lang="en" sz="1600">
-                <a:solidFill>
-                  <a:srgbClr val="292929"/>
-                </a:solidFill>
-                <a:highlight>
-                  <a:srgbClr val="F2F2F2"/>
-                </a:highlight>
-                <a:latin typeface="Courier New"/>
-                <a:ea typeface="Courier New"/>
-                <a:cs typeface="Courier New"/>
-                <a:sym typeface="Courier New"/>
-              </a:rPr>
-              <a:t>cat text.txt | ./uppercase | ./split</a:t>
-            </a:r>
-            <a:endParaRPr/>
-          </a:p>
-          <a:p>
-            <a:pPr marL="0" indent="0">
-              <a:spcBef>
-                <a:spcPts val="2133"/>
-              </a:spcBef>
-              <a:spcAft>
-                <a:spcPts val="2133"/>
-              </a:spcAft>
-              <a:buNone/>
-            </a:pPr>
-            <a:endParaRPr/>
           </a:p>
         </p:txBody>
       </p:sp>
@@ -8599,6 +9016,236 @@
   <p:cSld>
     <p:spTree>
       <p:nvGrpSpPr>
+        <p:cNvPr id="1" name="Shape 135"/>
+        <p:cNvGrpSpPr/>
+        <p:nvPr/>
+      </p:nvGrpSpPr>
+      <p:grpSpPr>
+        <a:xfrm>
+          <a:off x="0" y="0"/>
+          <a:ext cx="0" cy="0"/>
+          <a:chOff x="0" y="0"/>
+          <a:chExt cx="0" cy="0"/>
+        </a:xfrm>
+      </p:grpSpPr>
+      <p:sp>
+        <p:nvSpPr>
+          <p:cNvPr id="136" name="Google Shape;136;p26"/>
+          <p:cNvSpPr txBox="1">
+            <a:spLocks noGrp="1"/>
+          </p:cNvSpPr>
+          <p:nvPr>
+            <p:ph type="title"/>
+          </p:nvPr>
+        </p:nvSpPr>
+        <p:spPr>
+          <a:xfrm>
+            <a:off x="415600" y="421233"/>
+            <a:ext cx="11360800" cy="1108400"/>
+          </a:xfrm>
+          <a:prstGeom prst="rect">
+            <a:avLst/>
+          </a:prstGeom>
+        </p:spPr>
+        <p:txBody>
+          <a:bodyPr spcFirstLastPara="1" vert="horz" wrap="square" lIns="121900" tIns="121900" rIns="121900" bIns="121900" rtlCol="0" anchor="b" anchorCtr="0">
+            <a:noAutofit/>
+          </a:bodyPr>
+          <a:lstStyle/>
+          <a:p>
+            <a:r>
+              <a:rPr lang="en"/>
+              <a:t>Composing Programs</a:t>
+            </a:r>
+            <a:endParaRPr/>
+          </a:p>
+        </p:txBody>
+      </p:sp>
+      <p:sp>
+        <p:nvSpPr>
+          <p:cNvPr id="137" name="Google Shape;137;p26"/>
+          <p:cNvSpPr txBox="1">
+            <a:spLocks noGrp="1"/>
+          </p:cNvSpPr>
+          <p:nvPr>
+            <p:ph type="body" idx="1"/>
+          </p:nvPr>
+        </p:nvSpPr>
+        <p:spPr>
+          <a:xfrm>
+            <a:off x="415600" y="1633633"/>
+            <a:ext cx="11360800" cy="4472000"/>
+          </a:xfrm>
+          <a:prstGeom prst="rect">
+            <a:avLst/>
+          </a:prstGeom>
+        </p:spPr>
+        <p:txBody>
+          <a:bodyPr spcFirstLastPara="1" vert="horz" wrap="square" lIns="121900" tIns="121900" rIns="121900" bIns="121900" rtlCol="0" anchor="t" anchorCtr="0">
+            <a:noAutofit/>
+          </a:bodyPr>
+          <a:lstStyle/>
+          <a:p>
+            <a:pPr marL="0" indent="0">
+              <a:buNone/>
+            </a:pPr>
+            <a:r>
+              <a:rPr lang="en" dirty="0"/>
+              <a:t>We build complex programs from simple ones</a:t>
+            </a:r>
+            <a:endParaRPr dirty="0"/>
+          </a:p>
+          <a:p>
+            <a:pPr marL="0" indent="0">
+              <a:spcBef>
+                <a:spcPts val="2133"/>
+              </a:spcBef>
+              <a:buNone/>
+            </a:pPr>
+            <a:r>
+              <a:rPr lang="en" sz="1600" dirty="0">
+                <a:solidFill>
+                  <a:srgbClr val="292929"/>
+                </a:solidFill>
+                <a:highlight>
+                  <a:srgbClr val="F2F2F2"/>
+                </a:highlight>
+                <a:latin typeface="Courier New"/>
+                <a:ea typeface="Courier New"/>
+                <a:cs typeface="Courier New"/>
+                <a:sym typeface="Courier New"/>
+              </a:rPr>
+              <a:t>#!/bin/bash</a:t>
+            </a:r>
+            <a:r>
+              <a:rPr lang="en" dirty="0"/>
+              <a:t> </a:t>
+            </a:r>
+            <a:endParaRPr dirty="0"/>
+          </a:p>
+          <a:p>
+            <a:pPr marL="0" indent="0">
+              <a:spcBef>
+                <a:spcPts val="2133"/>
+              </a:spcBef>
+              <a:buNone/>
+            </a:pPr>
+            <a:r>
+              <a:rPr lang="en" sz="1600" dirty="0">
+                <a:solidFill>
+                  <a:srgbClr val="292929"/>
+                </a:solidFill>
+                <a:highlight>
+                  <a:srgbClr val="F2F2F2"/>
+                </a:highlight>
+                <a:latin typeface="Courier New"/>
+                <a:ea typeface="Courier New"/>
+                <a:cs typeface="Courier New"/>
+                <a:sym typeface="Courier New"/>
+              </a:rPr>
+              <a:t>uppercase | split</a:t>
+            </a:r>
+            <a:endParaRPr sz="1600" dirty="0">
+              <a:solidFill>
+                <a:srgbClr val="292929"/>
+              </a:solidFill>
+              <a:highlight>
+                <a:srgbClr val="F2F2F2"/>
+              </a:highlight>
+              <a:latin typeface="Courier New"/>
+              <a:ea typeface="Courier New"/>
+              <a:cs typeface="Courier New"/>
+              <a:sym typeface="Courier New"/>
+            </a:endParaRPr>
+          </a:p>
+          <a:p>
+            <a:pPr marL="0" indent="0">
+              <a:spcBef>
+                <a:spcPts val="2133"/>
+              </a:spcBef>
+              <a:buNone/>
+            </a:pPr>
+            <a:endParaRPr sz="1600" dirty="0">
+              <a:solidFill>
+                <a:srgbClr val="292929"/>
+              </a:solidFill>
+              <a:highlight>
+                <a:srgbClr val="F2F2F2"/>
+              </a:highlight>
+              <a:latin typeface="Courier New"/>
+              <a:ea typeface="Courier New"/>
+              <a:cs typeface="Courier New"/>
+              <a:sym typeface="Courier New"/>
+            </a:endParaRPr>
+          </a:p>
+          <a:p>
+            <a:pPr marL="0" indent="0">
+              <a:spcBef>
+                <a:spcPts val="2133"/>
+              </a:spcBef>
+              <a:buNone/>
+            </a:pPr>
+            <a:r>
+              <a:rPr lang="en" dirty="0"/>
+              <a:t>We build complex programs from simple ones</a:t>
+            </a:r>
+            <a:endParaRPr dirty="0"/>
+          </a:p>
+          <a:p>
+            <a:pPr marL="0" indent="0">
+              <a:spcBef>
+                <a:spcPts val="2133"/>
+              </a:spcBef>
+              <a:buClr>
+                <a:schemeClr val="dk1"/>
+              </a:buClr>
+              <a:buSzPts val="1100"/>
+              <a:buNone/>
+            </a:pPr>
+            <a:r>
+              <a:rPr lang="en" sz="1600" dirty="0">
+                <a:solidFill>
+                  <a:srgbClr val="292929"/>
+                </a:solidFill>
+                <a:highlight>
+                  <a:srgbClr val="F2F2F2"/>
+                </a:highlight>
+                <a:latin typeface="Courier New"/>
+                <a:ea typeface="Courier New"/>
+                <a:cs typeface="Courier New"/>
+                <a:sym typeface="Courier New"/>
+              </a:rPr>
+              <a:t>cat text.txt | uppercase | split</a:t>
+            </a:r>
+            <a:endParaRPr dirty="0"/>
+          </a:p>
+          <a:p>
+            <a:pPr marL="0" indent="0">
+              <a:spcBef>
+                <a:spcPts val="2133"/>
+              </a:spcBef>
+              <a:spcAft>
+                <a:spcPts val="2133"/>
+              </a:spcAft>
+              <a:buNone/>
+            </a:pPr>
+            <a:endParaRPr dirty="0"/>
+          </a:p>
+        </p:txBody>
+      </p:sp>
+    </p:spTree>
+  </p:cSld>
+  <p:clrMapOvr>
+    <a:masterClrMapping/>
+  </p:clrMapOvr>
+</p:sld>
+</file>
+
+<file path=ppt/slides/slide21.xml><?xml version="1.0" encoding="utf-8"?>
+<p:sld xmlns:a="http://schemas.openxmlformats.org/drawingml/2006/main" xmlns:r="http://schemas.openxmlformats.org/officeDocument/2006/relationships" xmlns:p="http://schemas.openxmlformats.org/presentationml/2006/main">
+  <p:cSld>
+    <p:spTree>
+      <p:nvGrpSpPr>
         <p:cNvPr id="1" name="Shape 141"/>
         <p:cNvGrpSpPr/>
         <p:nvPr/>
@@ -8827,7 +9474,7 @@
 </p:sld>
 </file>
 
-<file path=ppt/slides/slide21.xml><?xml version="1.0" encoding="utf-8"?>
+<file path=ppt/slides/slide22.xml><?xml version="1.0" encoding="utf-8"?>
 <p:sld xmlns:a="http://schemas.openxmlformats.org/drawingml/2006/main" xmlns:r="http://schemas.openxmlformats.org/officeDocument/2006/relationships" xmlns:p="http://schemas.openxmlformats.org/presentationml/2006/main">
   <p:cSld>
     <p:spTree>
@@ -8953,7 +9600,7 @@
 </p:sld>
 </file>
 
-<file path=ppt/slides/slide22.xml><?xml version="1.0" encoding="utf-8"?>
+<file path=ppt/slides/slide23.xml><?xml version="1.0" encoding="utf-8"?>
 <p:sld xmlns:a="http://schemas.openxmlformats.org/drawingml/2006/main" xmlns:r="http://schemas.openxmlformats.org/officeDocument/2006/relationships" xmlns:p="http://schemas.openxmlformats.org/presentationml/2006/main">
   <p:cSld>
     <p:spTree>
@@ -9085,7 +9732,7 @@
 </p:sld>
 </file>
 
-<file path=ppt/slides/slide23.xml><?xml version="1.0" encoding="utf-8"?>
+<file path=ppt/slides/slide24.xml><?xml version="1.0" encoding="utf-8"?>
 <p:sld xmlns:a="http://schemas.openxmlformats.org/drawingml/2006/main" xmlns:r="http://schemas.openxmlformats.org/officeDocument/2006/relationships" xmlns:p="http://schemas.openxmlformats.org/presentationml/2006/main">
   <p:cSld>
     <p:spTree>
@@ -9255,7 +9902,7 @@
 </p:sld>
 </file>
 
-<file path=ppt/slides/slide24.xml><?xml version="1.0" encoding="utf-8"?>
+<file path=ppt/slides/slide25.xml><?xml version="1.0" encoding="utf-8"?>
 <p:sld xmlns:a="http://schemas.openxmlformats.org/drawingml/2006/main" xmlns:r="http://schemas.openxmlformats.org/officeDocument/2006/relationships" xmlns:p="http://schemas.openxmlformats.org/presentationml/2006/main">
   <p:cSld>
     <p:spTree>
@@ -9438,7 +10085,7 @@
 </p:sld>
 </file>
 
-<file path=ppt/slides/slide25.xml><?xml version="1.0" encoding="utf-8"?>
+<file path=ppt/slides/slide26.xml><?xml version="1.0" encoding="utf-8"?>
 <p:sld xmlns:a="http://schemas.openxmlformats.org/drawingml/2006/main" xmlns:r="http://schemas.openxmlformats.org/officeDocument/2006/relationships" xmlns:p="http://schemas.openxmlformats.org/presentationml/2006/main">
   <p:cSld>
     <p:spTree>
@@ -9488,14 +10135,16 @@
         </p:nvSpPr>
         <p:spPr/>
         <p:txBody>
-          <a:bodyPr/>
+          <a:bodyPr>
+            <a:normAutofit/>
+          </a:bodyPr>
           <a:lstStyle/>
           <a:p>
             <a:pPr>
               <a:defRPr sz="1800"/>
             </a:pPr>
             <a:r>
-              <a:rPr dirty="0"/>
+              <a:rPr sz="2400" dirty="0"/>
               <a:t>Hierarchical Directory Structure: Organizes files logically.</a:t>
             </a:r>
           </a:p>
@@ -9504,7 +10153,7 @@
               <a:defRPr sz="1800"/>
             </a:pPr>
             <a:r>
-              <a:rPr dirty="0"/>
+              <a:rPr sz="2400" dirty="0"/>
               <a:t>Special Files: Devices represented as files, ensuring consistency.</a:t>
             </a:r>
           </a:p>
@@ -9518,7 +10167,7 @@
 </p:sld>
 </file>
 
-<file path=ppt/slides/slide26.xml><?xml version="1.0" encoding="utf-8"?>
+<file path=ppt/slides/slide27.xml><?xml version="1.0" encoding="utf-8"?>
 <p:sld xmlns:a="http://schemas.openxmlformats.org/drawingml/2006/main" xmlns:r="http://schemas.openxmlformats.org/officeDocument/2006/relationships" xmlns:p="http://schemas.openxmlformats.org/presentationml/2006/main">
   <p:cSld>
     <p:spTree>
@@ -9661,7 +10310,7 @@
         </p:blipFill>
         <p:spPr>
           <a:xfrm>
-            <a:off x="6581774" y="3362314"/>
+            <a:off x="6927364" y="4083039"/>
             <a:ext cx="4669323" cy="2228861"/>
           </a:xfrm>
           <a:prstGeom prst="rect">
@@ -9669,75 +10318,39 @@
           </a:prstGeom>
         </p:spPr>
       </p:pic>
-    </p:spTree>
-  </p:cSld>
-  <p:clrMapOvr>
-    <a:masterClrMapping/>
-  </p:clrMapOvr>
-</p:sld>
-</file>
-
-<file path=ppt/slides/slide27.xml><?xml version="1.0" encoding="utf-8"?>
-<p:sld xmlns:a="http://schemas.openxmlformats.org/drawingml/2006/main" xmlns:r="http://schemas.openxmlformats.org/officeDocument/2006/relationships" xmlns:p="http://schemas.openxmlformats.org/presentationml/2006/main">
-  <p:cSld>
-    <p:spTree>
-      <p:nvGrpSpPr>
-        <p:cNvPr id="1" name=""/>
-        <p:cNvGrpSpPr/>
-        <p:nvPr/>
-      </p:nvGrpSpPr>
-      <p:grpSpPr>
-        <a:xfrm>
-          <a:off x="0" y="0"/>
-          <a:ext cx="0" cy="0"/>
-          <a:chOff x="0" y="0"/>
-          <a:chExt cx="0" cy="0"/>
-        </a:xfrm>
-      </p:grpSpPr>
-      <p:sp>
-        <p:nvSpPr>
-          <p:cNvPr id="2" name="Title 1"/>
-          <p:cNvSpPr>
-            <a:spLocks noGrp="1"/>
-          </p:cNvSpPr>
-          <p:nvPr>
-            <p:ph type="title"/>
-          </p:nvPr>
-        </p:nvSpPr>
-        <p:spPr/>
-        <p:txBody>
-          <a:bodyPr/>
-          <a:lstStyle/>
-          <a:p>
-            <a:r>
-              <a:t>Fork and Exec System Calls</a:t>
-            </a:r>
-          </a:p>
-        </p:txBody>
-      </p:sp>
-      <p:sp>
-        <p:nvSpPr>
-          <p:cNvPr id="3" name="Content Placeholder 2"/>
-          <p:cNvSpPr>
-            <a:spLocks noGrp="1"/>
-          </p:cNvSpPr>
-          <p:nvPr>
-            <p:ph idx="1"/>
-          </p:nvPr>
-        </p:nvSpPr>
-        <p:spPr/>
-        <p:txBody>
-          <a:bodyPr/>
-          <a:lstStyle/>
-          <a:p>
-            <a:endParaRPr dirty="0"/>
-          </a:p>
+      <p:sp>
+        <p:nvSpPr>
+          <p:cNvPr id="7" name="TextBox 6">
+            <a:extLst>
+              <a:ext uri="{FF2B5EF4-FFF2-40B4-BE49-F238E27FC236}">
+                <a16:creationId xmlns:a16="http://schemas.microsoft.com/office/drawing/2014/main" id="{9837D0B7-4532-878E-1E23-9CBB2F44F09D}"/>
+              </a:ext>
+            </a:extLst>
+          </p:cNvPr>
+          <p:cNvSpPr txBox="1"/>
+          <p:nvPr/>
+        </p:nvSpPr>
+        <p:spPr>
+          <a:xfrm>
+            <a:off x="6581774" y="2551837"/>
+            <a:ext cx="5521969" cy="1754326"/>
+          </a:xfrm>
+          <a:prstGeom prst="rect">
+            <a:avLst/>
+          </a:prstGeom>
+          <a:noFill/>
+        </p:spPr>
+        <p:txBody>
+          <a:bodyPr wrap="square" rtlCol="0">
+            <a:spAutoFit/>
+          </a:bodyPr>
+          <a:lstStyle/>
           <a:p>
             <a:pPr>
               <a:defRPr sz="1800"/>
             </a:pPr>
             <a:r>
-              <a:rPr dirty="0"/>
+              <a:rPr lang="en-US" sz="1800" dirty="0"/>
               <a:t>Fork: Duplicates the process, creating a child process.</a:t>
             </a:r>
           </a:p>
@@ -9746,7 +10359,7 @@
               <a:defRPr sz="1800"/>
             </a:pPr>
             <a:r>
-              <a:rPr dirty="0"/>
+              <a:rPr lang="en-US" sz="1800" dirty="0"/>
               <a:t>Exec: Loads a new program, replacing the process’s memory.</a:t>
             </a:r>
           </a:p>
@@ -9755,9 +10368,12 @@
               <a:defRPr sz="1800"/>
             </a:pPr>
             <a:r>
-              <a:rPr dirty="0"/>
+              <a:rPr lang="en-US" sz="1800" dirty="0"/>
               <a:t>Example: Shell operations creating new processes for each command.</a:t>
             </a:r>
+          </a:p>
+          <a:p>
+            <a:endParaRPr lang="en-US" dirty="0"/>
           </a:p>
         </p:txBody>
       </p:sp>
@@ -9821,25 +10437,23 @@
         </p:nvSpPr>
         <p:spPr/>
         <p:txBody>
-          <a:bodyPr/>
-          <a:lstStyle/>
-          <a:p>
-            <a:endParaRPr/>
-          </a:p>
+          <a:bodyPr>
+            <a:normAutofit/>
+          </a:bodyPr>
+          <a:lstStyle/>
           <a:p>
             <a:pPr>
               <a:defRPr sz="1800"/>
             </a:pPr>
-            <a:r>
-              <a:t>Pipes: Allows output of one process to be input to another.</a:t>
-            </a:r>
+            <a:endParaRPr lang="en-US" sz="2400" dirty="0"/>
           </a:p>
           <a:p>
             <a:pPr>
               <a:defRPr sz="1800"/>
             </a:pPr>
             <a:r>
-              <a:t>Example: `cat file.txt | grep 'search' | sort`</a:t>
+              <a:rPr sz="2400" dirty="0"/>
+              <a:t>Pipes: Allows output of one process to be input to another.</a:t>
             </a:r>
           </a:p>
           <a:p>
@@ -9847,11 +10461,74 @@
               <a:defRPr sz="1800"/>
             </a:pPr>
             <a:r>
+              <a:rPr sz="2400" dirty="0"/>
+              <a:t>Example: </a:t>
+            </a:r>
+            <a:r>
+              <a:rPr sz="2400" dirty="0">
+                <a:latin typeface="Consolas" panose="020B0609020204030204" pitchFamily="49" charset="0"/>
+              </a:rPr>
+              <a:t>`cat file.txt | grep 'search' | sort`</a:t>
+            </a:r>
+          </a:p>
+          <a:p>
+            <a:pPr>
+              <a:defRPr sz="1800"/>
+            </a:pPr>
+            <a:r>
+              <a:rPr sz="2400" dirty="0"/>
               <a:t>Benefit: Enables composition of small programs to perform complex tasks.</a:t>
             </a:r>
           </a:p>
         </p:txBody>
       </p:sp>
+      <p:pic>
+        <p:nvPicPr>
+          <p:cNvPr id="1026" name="Picture 2">
+            <a:extLst>
+              <a:ext uri="{FF2B5EF4-FFF2-40B4-BE49-F238E27FC236}">
+                <a16:creationId xmlns:a16="http://schemas.microsoft.com/office/drawing/2014/main" id="{F2A172DB-1B9A-D426-B91F-18AF5182538B}"/>
+              </a:ext>
+            </a:extLst>
+          </p:cNvPr>
+          <p:cNvPicPr>
+            <a:picLocks noChangeAspect="1" noChangeArrowheads="1"/>
+          </p:cNvPicPr>
+          <p:nvPr/>
+        </p:nvPicPr>
+        <p:blipFill>
+          <a:blip r:embed="rId2">
+            <a:extLst>
+              <a:ext uri="{28A0092B-C50C-407E-A947-70E740481C1C}">
+                <a14:useLocalDpi xmlns:a14="http://schemas.microsoft.com/office/drawing/2010/main" val="0"/>
+              </a:ext>
+            </a:extLst>
+          </a:blip>
+          <a:srcRect/>
+          <a:stretch>
+            <a:fillRect/>
+          </a:stretch>
+        </p:blipFill>
+        <p:spPr bwMode="auto">
+          <a:xfrm>
+            <a:off x="4762500" y="3643313"/>
+            <a:ext cx="2667000" cy="2533650"/>
+          </a:xfrm>
+          <a:prstGeom prst="rect">
+            <a:avLst/>
+          </a:prstGeom>
+          <a:noFill/>
+          <a:extLst>
+            <a:ext uri="{909E8E84-426E-40DD-AFC4-6F175D3DCCD1}">
+              <a14:hiddenFill xmlns:a14="http://schemas.microsoft.com/office/drawing/2010/main">
+                <a:solidFill>
+                  <a:srgbClr val="FFFFFF"/>
+                </a:solidFill>
+              </a14:hiddenFill>
+            </a:ext>
+          </a:extLst>
+        </p:spPr>
+      </p:pic>
     </p:spTree>
   </p:cSld>
   <p:clrMapOvr>
@@ -9912,16 +10589,19 @@
         </p:nvSpPr>
         <p:spPr/>
         <p:txBody>
-          <a:bodyPr/>
-          <a:lstStyle/>
-          <a:p>
-            <a:endParaRPr/>
+          <a:bodyPr>
+            <a:normAutofit/>
+          </a:bodyPr>
+          <a:lstStyle/>
+          <a:p>
+            <a:endParaRPr sz="3600" dirty="0"/>
           </a:p>
           <a:p>
             <a:pPr>
               <a:defRPr sz="1800"/>
             </a:pPr>
             <a:r>
+              <a:rPr sz="2400" dirty="0"/>
               <a:t>Message Passing vs. Shared Memory: Different methods for communication.</a:t>
             </a:r>
           </a:p>
@@ -9930,6 +10610,7 @@
               <a:defRPr sz="1800"/>
             </a:pPr>
             <a:r>
+              <a:rPr sz="2400" dirty="0"/>
               <a:t>Unix Choice: Focus on pipes for simplicity and safety.</a:t>
             </a:r>
           </a:p>
@@ -10069,7 +10750,7 @@
             </a:pPr>
             <a:r>
               <a:rPr lang="en-US" sz="2400" dirty="0"/>
-              <a:t>Rewritten in 1975 in a newly created high level language C</a:t>
+              <a:t>Rewritten in 1975 in a newly created high-level language C</a:t>
             </a:r>
           </a:p>
           <a:p>
@@ -10409,16 +11090,19 @@
         </p:nvSpPr>
         <p:spPr/>
         <p:txBody>
-          <a:bodyPr/>
-          <a:lstStyle/>
-          <a:p>
-            <a:endParaRPr/>
+          <a:bodyPr>
+            <a:normAutofit/>
+          </a:bodyPr>
+          <a:lstStyle/>
+          <a:p>
+            <a:endParaRPr sz="4800" dirty="0"/>
           </a:p>
           <a:p>
             <a:pPr>
               <a:defRPr sz="1800"/>
             </a:pPr>
             <a:r>
+              <a:rPr sz="2400" dirty="0"/>
               <a:t>Single Responsibility Principle: Each command does one job.</a:t>
             </a:r>
           </a:p>
@@ -10427,6 +11111,7 @@
               <a:defRPr sz="1800"/>
             </a:pPr>
             <a:r>
+              <a:rPr sz="2400" dirty="0"/>
               <a:t>Example Commands: `ls`, `grep`, `sort`, `awk`</a:t>
             </a:r>
           </a:p>
@@ -10435,6 +11120,7 @@
               <a:defRPr sz="1800"/>
             </a:pPr>
             <a:r>
+              <a:rPr sz="2400" dirty="0"/>
               <a:t>Benefit: Allows chaining of commands for complex operations.</a:t>
             </a:r>
           </a:p>
@@ -10500,16 +11186,19 @@
         </p:nvSpPr>
         <p:spPr/>
         <p:txBody>
-          <a:bodyPr/>
-          <a:lstStyle/>
-          <a:p>
-            <a:endParaRPr/>
+          <a:bodyPr>
+            <a:normAutofit/>
+          </a:bodyPr>
+          <a:lstStyle/>
+          <a:p>
+            <a:endParaRPr sz="3600" dirty="0"/>
           </a:p>
           <a:p>
             <a:pPr>
               <a:defRPr sz="1800"/>
             </a:pPr>
             <a:r>
+              <a:rPr sz="2400" dirty="0"/>
               <a:t>Filters: Commands that read from standard input, perform operations, and write to standard output.</a:t>
             </a:r>
           </a:p>
@@ -10518,6 +11207,7 @@
               <a:defRPr sz="1800"/>
             </a:pPr>
             <a:r>
+              <a:rPr sz="2400" dirty="0"/>
               <a:t>Pipeline: Connecting multiple filters using pipes for complex workflows.</a:t>
             </a:r>
           </a:p>
@@ -10581,16 +11271,19 @@
         </p:nvSpPr>
         <p:spPr/>
         <p:txBody>
-          <a:bodyPr/>
-          <a:lstStyle/>
-          <a:p>
-            <a:endParaRPr/>
+          <a:bodyPr>
+            <a:normAutofit/>
+          </a:bodyPr>
+          <a:lstStyle/>
+          <a:p>
+            <a:endParaRPr sz="3600" dirty="0"/>
           </a:p>
           <a:p>
             <a:pPr>
               <a:defRPr sz="1800"/>
             </a:pPr>
             <a:r>
+              <a:rPr sz="2400" dirty="0"/>
               <a:t>Character and Block Devices: Special files to interact with devices.</a:t>
             </a:r>
           </a:p>
@@ -10599,7 +11292,54 @@
               <a:defRPr sz="1800"/>
             </a:pPr>
             <a:r>
+              <a:rPr sz="2400" dirty="0"/>
               <a:t>Uniform Access: Treating devices as files simplifies user interaction.</a:t>
+            </a:r>
+            <a:endParaRPr lang="en-US" sz="2400" dirty="0"/>
+          </a:p>
+          <a:p>
+            <a:pPr>
+              <a:defRPr sz="1800"/>
+            </a:pPr>
+            <a:endParaRPr lang="en-US" sz="2400" dirty="0"/>
+          </a:p>
+          <a:p>
+            <a:pPr>
+              <a:defRPr sz="1800"/>
+            </a:pPr>
+            <a:r>
+              <a:rPr lang="en-US" sz="2400" dirty="0"/>
+              <a:t>Files can read/write blocks of data.</a:t>
+            </a:r>
+          </a:p>
+          <a:p>
+            <a:pPr>
+              <a:defRPr sz="1800"/>
+            </a:pPr>
+            <a:r>
+              <a:rPr lang="en-US" sz="2400" i="1" dirty="0"/>
+              <a:t>Character</a:t>
+            </a:r>
+            <a:r>
+              <a:rPr lang="en-US" sz="2400" dirty="0"/>
+              <a:t> and </a:t>
+            </a:r>
+            <a:r>
+              <a:rPr lang="en-US" sz="2400" i="1" dirty="0"/>
+              <a:t>block </a:t>
+            </a:r>
+            <a:r>
+              <a:rPr lang="en-US" sz="2400" dirty="0"/>
+              <a:t>devices.</a:t>
+            </a:r>
+          </a:p>
+          <a:p>
+            <a:pPr>
+              <a:defRPr sz="1800"/>
+            </a:pPr>
+            <a:r>
+              <a:rPr lang="en-US" sz="2400" dirty="0"/>
+              <a:t>Pseudo devices (e.g., /dev/null, /dev/random).</a:t>
             </a:r>
           </a:p>
         </p:txBody>
@@ -10662,16 +11402,19 @@
         </p:nvSpPr>
         <p:spPr/>
         <p:txBody>
-          <a:bodyPr/>
-          <a:lstStyle/>
-          <a:p>
-            <a:endParaRPr/>
+          <a:bodyPr>
+            <a:normAutofit fontScale="92500" lnSpcReduction="10000"/>
+          </a:bodyPr>
+          <a:lstStyle/>
+          <a:p>
+            <a:endParaRPr sz="3600" dirty="0"/>
           </a:p>
           <a:p>
             <a:pPr>
               <a:defRPr sz="1800"/>
             </a:pPr>
             <a:r>
+              <a:rPr sz="2400" dirty="0"/>
               <a:t>Return Codes: Indicates success or failure of commands.</a:t>
             </a:r>
           </a:p>
@@ -10680,7 +11423,105 @@
               <a:defRPr sz="1800"/>
             </a:pPr>
             <a:r>
+              <a:rPr sz="2400" dirty="0"/>
               <a:t>Standardized Error Handling: Simplifies debugging and consistency across commands.</a:t>
+            </a:r>
+            <a:endParaRPr lang="en-US" sz="2400" dirty="0"/>
+          </a:p>
+          <a:p>
+            <a:pPr marL="0" indent="0">
+              <a:buNone/>
+              <a:defRPr sz="1800"/>
+            </a:pPr>
+            <a:r>
+              <a:rPr lang="en-US" sz="2400" dirty="0">
+                <a:latin typeface="Consolas" panose="020B0609020204030204" pitchFamily="49" charset="0"/>
+              </a:rPr>
+              <a:t>$ </a:t>
+            </a:r>
+            <a:r>
+              <a:rPr lang="en-US" sz="2400" dirty="0" err="1">
+                <a:latin typeface="Consolas" panose="020B0609020204030204" pitchFamily="49" charset="0"/>
+              </a:rPr>
+              <a:t>errno</a:t>
+            </a:r>
+            <a:r>
+              <a:rPr lang="en-US" sz="2400" dirty="0">
+                <a:latin typeface="Consolas" panose="020B0609020204030204" pitchFamily="49" charset="0"/>
+              </a:rPr>
+              <a:t> -ls</a:t>
+            </a:r>
+          </a:p>
+          <a:p>
+            <a:pPr marL="0" indent="0">
+              <a:buNone/>
+              <a:defRPr sz="1800"/>
+            </a:pPr>
+            <a:r>
+              <a:rPr lang="en-US" sz="2400" dirty="0">
+                <a:latin typeface="Consolas" panose="020B0609020204030204" pitchFamily="49" charset="0"/>
+              </a:rPr>
+              <a:t>EPERM 1 Operation not permitted</a:t>
+            </a:r>
+          </a:p>
+          <a:p>
+            <a:pPr marL="0" indent="0">
+              <a:buNone/>
+              <a:defRPr sz="1800"/>
+            </a:pPr>
+            <a:r>
+              <a:rPr lang="en-US" sz="2400" dirty="0">
+                <a:latin typeface="Consolas" panose="020B0609020204030204" pitchFamily="49" charset="0"/>
+              </a:rPr>
+              <a:t>ENOENT 2 No such file or directory</a:t>
+            </a:r>
+          </a:p>
+          <a:p>
+            <a:pPr marL="0" indent="0">
+              <a:buNone/>
+              <a:defRPr sz="1800"/>
+            </a:pPr>
+            <a:r>
+              <a:rPr lang="en-US" sz="2400" dirty="0">
+                <a:latin typeface="Consolas" panose="020B0609020204030204" pitchFamily="49" charset="0"/>
+              </a:rPr>
+              <a:t>ESRCH 3 No such process</a:t>
+            </a:r>
+          </a:p>
+          <a:p>
+            <a:pPr marL="0" indent="0">
+              <a:buNone/>
+              <a:defRPr sz="1800"/>
+            </a:pPr>
+            <a:r>
+              <a:rPr lang="en-US" sz="2400" dirty="0">
+                <a:latin typeface="Consolas" panose="020B0609020204030204" pitchFamily="49" charset="0"/>
+              </a:rPr>
+              <a:t>EINTR 4 Interrupted system call</a:t>
+            </a:r>
+          </a:p>
+          <a:p>
+            <a:pPr marL="0" indent="0">
+              <a:buNone/>
+              <a:defRPr sz="1800"/>
+            </a:pPr>
+            <a:r>
+              <a:rPr lang="en-US" sz="2400" dirty="0">
+                <a:latin typeface="Consolas" panose="020B0609020204030204" pitchFamily="49" charset="0"/>
+              </a:rPr>
+              <a:t>EIO 5 Input/output error</a:t>
+            </a:r>
+          </a:p>
+          <a:p>
+            <a:pPr marL="0" indent="0">
+              <a:buNone/>
+              <a:defRPr sz="1800"/>
+            </a:pPr>
+            <a:r>
+              <a:rPr lang="en-US" sz="2400" dirty="0">
+                <a:latin typeface="Consolas" panose="020B0609020204030204" pitchFamily="49" charset="0"/>
+              </a:rPr>
+              <a:t>...</a:t>
             </a:r>
           </a:p>
         </p:txBody>
@@ -10743,16 +11584,19 @@
         </p:nvSpPr>
         <p:spPr/>
         <p:txBody>
-          <a:bodyPr/>
-          <a:lstStyle/>
-          <a:p>
-            <a:endParaRPr/>
+          <a:bodyPr>
+            <a:normAutofit/>
+          </a:bodyPr>
+          <a:lstStyle/>
+          <a:p>
+            <a:endParaRPr sz="3600" dirty="0"/>
           </a:p>
           <a:p>
             <a:pPr>
               <a:defRPr sz="1800"/>
             </a:pPr>
             <a:r>
+              <a:rPr sz="2400" dirty="0"/>
               <a:t>Interface for Users: Hides kernel complexity.</a:t>
             </a:r>
           </a:p>
@@ -10761,6 +11605,7 @@
               <a:defRPr sz="1800"/>
             </a:pPr>
             <a:r>
+              <a:rPr sz="2400" dirty="0"/>
               <a:t>Command Interpretation: Translates commands into system calls.</a:t>
             </a:r>
           </a:p>
@@ -10769,7 +11614,16 @@
               <a:defRPr sz="1800"/>
             </a:pPr>
             <a:r>
-              <a:t>Example: Typing `ls` results in a series of kernel operations without user awareness of underlying details.</a:t>
+              <a:rPr sz="2400" dirty="0"/>
+              <a:t>Example: Typing `</a:t>
+            </a:r>
+            <a:r>
+              <a:rPr sz="2400" dirty="0" err="1"/>
+              <a:t>ls`</a:t>
+            </a:r>
+            <a:r>
+              <a:rPr sz="2400" dirty="0"/>
+              <a:t> results in a series of kernel operations without user awareness of underlying details.</a:t>
             </a:r>
           </a:p>
         </p:txBody>
@@ -10834,16 +11688,19 @@
         </p:nvSpPr>
         <p:spPr/>
         <p:txBody>
-          <a:bodyPr/>
-          <a:lstStyle/>
-          <a:p>
-            <a:endParaRPr/>
+          <a:bodyPr>
+            <a:normAutofit/>
+          </a:bodyPr>
+          <a:lstStyle/>
+          <a:p>
+            <a:endParaRPr sz="3600" dirty="0"/>
           </a:p>
           <a:p>
             <a:pPr>
               <a:defRPr sz="1800"/>
             </a:pPr>
             <a:r>
+              <a:rPr sz="2400" dirty="0"/>
               <a:t>Key Principles: Small, modular, and composable.</a:t>
             </a:r>
           </a:p>
@@ -10852,6 +11709,7 @@
               <a:defRPr sz="1800"/>
             </a:pPr>
             <a:r>
+              <a:rPr sz="2400" dirty="0"/>
               <a:t>Influence on Decomposition and Abstraction: Simple tools can be combined for greater functionality.</a:t>
             </a:r>
           </a:p>
@@ -10917,16 +11775,19 @@
         </p:nvSpPr>
         <p:spPr/>
         <p:txBody>
-          <a:bodyPr/>
-          <a:lstStyle/>
-          <a:p>
-            <a:endParaRPr/>
+          <a:bodyPr>
+            <a:normAutofit/>
+          </a:bodyPr>
+          <a:lstStyle/>
+          <a:p>
+            <a:endParaRPr sz="3600" dirty="0"/>
           </a:p>
           <a:p>
             <a:pPr>
               <a:defRPr sz="1800"/>
             </a:pPr>
             <a:r>
+              <a:rPr sz="2400" dirty="0"/>
               <a:t>Portability: Unix systems adapted to many platforms due to modularity.</a:t>
             </a:r>
           </a:p>
@@ -10935,6 +11796,7 @@
               <a:defRPr sz="1800"/>
             </a:pPr>
             <a:r>
+              <a:rPr sz="2400" dirty="0"/>
               <a:t>Influence on Linux and BSD: Unix architecture still underpins modern OS designs.</a:t>
             </a:r>
           </a:p>
@@ -10998,16 +11860,19 @@
         </p:nvSpPr>
         <p:spPr/>
         <p:txBody>
-          <a:bodyPr/>
-          <a:lstStyle/>
-          <a:p>
-            <a:endParaRPr/>
+          <a:bodyPr>
+            <a:normAutofit/>
+          </a:bodyPr>
+          <a:lstStyle/>
+          <a:p>
+            <a:endParaRPr sz="3600" dirty="0"/>
           </a:p>
           <a:p>
             <a:pPr>
               <a:defRPr sz="1800"/>
             </a:pPr>
             <a:r>
+              <a:rPr sz="2400" dirty="0"/>
               <a:t>Decomposition Techniques in Unix: Modules for file management, processes, and IPC.</a:t>
             </a:r>
           </a:p>
@@ -11016,6 +11881,7 @@
               <a:defRPr sz="1800"/>
             </a:pPr>
             <a:r>
+              <a:rPr sz="2400" dirty="0"/>
               <a:t>Abstraction Examples in Unix: “Everything is a file” concept, shell interface, pipes.</a:t>
             </a:r>
           </a:p>
@@ -11024,6 +11890,7 @@
               <a:defRPr sz="1800"/>
             </a:pPr>
             <a:r>
+              <a:rPr sz="2400" dirty="0"/>
               <a:t>Unix Legacy in System Design: Continuing influence on software architecture principles.</a:t>
             </a:r>
           </a:p>
@@ -11089,17 +11956,19 @@
         </p:nvSpPr>
         <p:spPr/>
         <p:txBody>
-          <a:bodyPr/>
-          <a:lstStyle/>
-          <a:p>
-            <a:endParaRPr dirty="0"/>
+          <a:bodyPr>
+            <a:normAutofit/>
+          </a:bodyPr>
+          <a:lstStyle/>
+          <a:p>
+            <a:endParaRPr sz="3600" dirty="0"/>
           </a:p>
           <a:p>
             <a:pPr>
               <a:defRPr sz="1800"/>
             </a:pPr>
             <a:r>
-              <a:rPr dirty="0"/>
+              <a:rPr sz="2400" dirty="0"/>
               <a:t>How might Unix principles apply to modern software design?</a:t>
             </a:r>
           </a:p>
@@ -11108,7 +11977,7 @@
               <a:defRPr sz="1800"/>
             </a:pPr>
             <a:r>
-              <a:rPr dirty="0"/>
+              <a:rPr sz="2400" dirty="0"/>
               <a:t>What are the limitations of Unix-style modularity?</a:t>
             </a:r>
           </a:p>
@@ -12520,7 +13389,7 @@
             </a:pPr>
             <a:r>
               <a:rPr lang="en-US" sz="2000" dirty="0"/>
-              <a:t>During the design the integrity should not be shattered.</a:t>
+              <a:t>During the design, the integrity should not be shattered.</a:t>
             </a:r>
             <a:endParaRPr sz="2000" dirty="0"/>
           </a:p>
@@ -13292,6 +14161,166 @@
 </p:sld>
 </file>
 
+<file path=ppt/slides/slide57.xml><?xml version="1.0" encoding="utf-8"?>
+<p:sld xmlns:a="http://schemas.openxmlformats.org/drawingml/2006/main" xmlns:r="http://schemas.openxmlformats.org/officeDocument/2006/relationships" xmlns:p="http://schemas.openxmlformats.org/presentationml/2006/main">
+  <p:cSld>
+    <p:spTree>
+      <p:nvGrpSpPr>
+        <p:cNvPr id="1" name=""/>
+        <p:cNvGrpSpPr/>
+        <p:nvPr/>
+      </p:nvGrpSpPr>
+      <p:grpSpPr>
+        <a:xfrm>
+          <a:off x="0" y="0"/>
+          <a:ext cx="0" cy="0"/>
+          <a:chOff x="0" y="0"/>
+          <a:chExt cx="0" cy="0"/>
+        </a:xfrm>
+      </p:grpSpPr>
+      <p:sp>
+        <p:nvSpPr>
+          <p:cNvPr id="2" name="Title 1">
+            <a:extLst>
+              <a:ext uri="{FF2B5EF4-FFF2-40B4-BE49-F238E27FC236}">
+                <a16:creationId xmlns:a16="http://schemas.microsoft.com/office/drawing/2014/main" id="{8D601FD8-85BA-03AD-123C-70A7E9E4382B}"/>
+              </a:ext>
+            </a:extLst>
+          </p:cNvPr>
+          <p:cNvSpPr>
+            <a:spLocks noGrp="1"/>
+          </p:cNvSpPr>
+          <p:nvPr>
+            <p:ph type="title"/>
+          </p:nvPr>
+        </p:nvSpPr>
+        <p:spPr/>
+        <p:txBody>
+          <a:bodyPr/>
+          <a:lstStyle/>
+          <a:p>
+            <a:r>
+              <a:rPr lang="en-US" dirty="0"/>
+              <a:t>GNU is not Unix</a:t>
+            </a:r>
+          </a:p>
+        </p:txBody>
+      </p:sp>
+      <p:sp>
+        <p:nvSpPr>
+          <p:cNvPr id="3" name="Content Placeholder 2">
+            <a:extLst>
+              <a:ext uri="{FF2B5EF4-FFF2-40B4-BE49-F238E27FC236}">
+                <a16:creationId xmlns:a16="http://schemas.microsoft.com/office/drawing/2014/main" id="{84D89D87-D317-D40C-24AA-BB9ABB2870C8}"/>
+              </a:ext>
+            </a:extLst>
+          </p:cNvPr>
+          <p:cNvSpPr>
+            <a:spLocks noGrp="1"/>
+          </p:cNvSpPr>
+          <p:nvPr>
+            <p:ph idx="1"/>
+          </p:nvPr>
+        </p:nvSpPr>
+        <p:spPr/>
+        <p:txBody>
+          <a:bodyPr/>
+          <a:lstStyle/>
+          <a:p>
+            <a:r>
+              <a:rPr lang="en-US" dirty="0"/>
+              <a:t>Started by Richard Stallman in 1983 to foster cooperation among computer users (by the time, most of SW was proprietary).</a:t>
+            </a:r>
+          </a:p>
+          <a:p>
+            <a:r>
+              <a:rPr lang="en-US" dirty="0"/>
+              <a:t>A collection of “free” (as in “free speech” and not “free beer”: </a:t>
+            </a:r>
+            <a:r>
+              <a:rPr lang="en-US" i="1" dirty="0"/>
+              <a:t>the users have the freedom to run, copy, distribute, study, change and improve the software</a:t>
+            </a:r>
+            <a:r>
+              <a:rPr lang="en-US" dirty="0"/>
+              <a:t>) software tools and applications.</a:t>
+            </a:r>
+          </a:p>
+          <a:p>
+            <a:pPr lvl="1"/>
+            <a:r>
+              <a:rPr lang="en-US" dirty="0"/>
+              <a:t>Note that open-source and free software are very different.</a:t>
+            </a:r>
+          </a:p>
+          <a:p>
+            <a:r>
+              <a:rPr lang="en-US" dirty="0"/>
+              <a:t>By 1992, when Linux kernel was made free, GNU system resulted in a complete operating system.</a:t>
+            </a:r>
+          </a:p>
+        </p:txBody>
+      </p:sp>
+      <p:pic>
+        <p:nvPicPr>
+          <p:cNvPr id="3074" name="Picture 2">
+            <a:extLst>
+              <a:ext uri="{FF2B5EF4-FFF2-40B4-BE49-F238E27FC236}">
+                <a16:creationId xmlns:a16="http://schemas.microsoft.com/office/drawing/2014/main" id="{9B84513B-0FAB-DD38-1D55-23525E13B539}"/>
+              </a:ext>
+            </a:extLst>
+          </p:cNvPr>
+          <p:cNvPicPr>
+            <a:picLocks noChangeAspect="1" noChangeArrowheads="1"/>
+          </p:cNvPicPr>
+          <p:nvPr/>
+        </p:nvPicPr>
+        <p:blipFill>
+          <a:blip r:embed="rId3">
+            <a:extLst>
+              <a:ext uri="{28A0092B-C50C-407E-A947-70E740481C1C}">
+                <a14:useLocalDpi xmlns:a14="http://schemas.microsoft.com/office/drawing/2010/main" val="0"/>
+              </a:ext>
+            </a:extLst>
+          </a:blip>
+          <a:srcRect/>
+          <a:stretch>
+            <a:fillRect/>
+          </a:stretch>
+        </p:blipFill>
+        <p:spPr bwMode="auto">
+          <a:xfrm>
+            <a:off x="9431076" y="484981"/>
+            <a:ext cx="1304925" cy="1085850"/>
+          </a:xfrm>
+          <a:prstGeom prst="rect">
+            <a:avLst/>
+          </a:prstGeom>
+          <a:noFill/>
+          <a:extLst>
+            <a:ext uri="{909E8E84-426E-40DD-AFC4-6F175D3DCCD1}">
+              <a14:hiddenFill xmlns:a14="http://schemas.microsoft.com/office/drawing/2010/main">
+                <a:solidFill>
+                  <a:srgbClr val="FFFFFF"/>
+                </a:solidFill>
+              </a14:hiddenFill>
+            </a:ext>
+          </a:extLst>
+        </p:spPr>
+      </p:pic>
+    </p:spTree>
+    <p:extLst>
+      <p:ext uri="{BB962C8B-B14F-4D97-AF65-F5344CB8AC3E}">
+        <p14:creationId xmlns:p14="http://schemas.microsoft.com/office/powerpoint/2010/main" val="4250407636"/>
+      </p:ext>
+    </p:extLst>
+  </p:cSld>
+  <p:clrMapOvr>
+    <a:masterClrMapping/>
+  </p:clrMapOvr>
+</p:sld>
+</file>
+
 <file path=ppt/slides/slide6.xml><?xml version="1.0" encoding="utf-8"?>
 <p:sld xmlns:a="http://schemas.openxmlformats.org/drawingml/2006/main" xmlns:r="http://schemas.openxmlformats.org/officeDocument/2006/relationships" xmlns:p="http://schemas.openxmlformats.org/presentationml/2006/main">
   <p:cSld>
@@ -13675,10 +14704,15 @@
             <p:ph idx="1"/>
           </p:nvPr>
         </p:nvSpPr>
-        <p:spPr/>
+        <p:spPr>
+          <a:xfrm>
+            <a:off x="838200" y="1825625"/>
+            <a:ext cx="7454462" cy="4351338"/>
+          </a:xfrm>
+        </p:spPr>
         <p:txBody>
           <a:bodyPr>
-            <a:normAutofit fontScale="40000" lnSpcReduction="20000"/>
+            <a:normAutofit lnSpcReduction="10000"/>
           </a:bodyPr>
           <a:lstStyle/>
           <a:p>
@@ -13687,12 +14721,12 @@
               <a:buAutoNum type="arabicPeriod"/>
             </a:pPr>
             <a:r>
-              <a:rPr lang="en-US" b="0" i="0" dirty="0">
+              <a:rPr lang="en-US" sz="1800" b="0" i="0" dirty="0">
                 <a:solidFill>
                   <a:srgbClr val="000000"/>
                 </a:solidFill>
                 <a:effectLst/>
-                <a:latin typeface="Times New Roman" panose="02020603050405020304" pitchFamily="18" charset="0"/>
+                <a:latin typeface="+mj-lt"/>
               </a:rPr>
               <a:t>Rule of Modularity: Write simple parts connected by clean interfaces.</a:t>
             </a:r>
@@ -13703,12 +14737,12 @@
               <a:buAutoNum type="arabicPeriod"/>
             </a:pPr>
             <a:r>
-              <a:rPr lang="en-US" b="0" i="0" dirty="0">
+              <a:rPr lang="en-US" sz="1800" b="0" i="0" dirty="0">
                 <a:solidFill>
                   <a:srgbClr val="000000"/>
                 </a:solidFill>
                 <a:effectLst/>
-                <a:latin typeface="Times New Roman" panose="02020603050405020304" pitchFamily="18" charset="0"/>
+                <a:latin typeface="+mj-lt"/>
               </a:rPr>
               <a:t>Rule of Clarity: Clarity is better than cleverness.</a:t>
             </a:r>
@@ -13719,12 +14753,12 @@
               <a:buAutoNum type="arabicPeriod"/>
             </a:pPr>
             <a:r>
-              <a:rPr lang="en-US" b="0" i="0" dirty="0">
+              <a:rPr lang="en-US" sz="1800" b="0" i="0" dirty="0">
                 <a:solidFill>
                   <a:srgbClr val="000000"/>
                 </a:solidFill>
                 <a:effectLst/>
-                <a:latin typeface="Times New Roman" panose="02020603050405020304" pitchFamily="18" charset="0"/>
+                <a:latin typeface="+mj-lt"/>
               </a:rPr>
               <a:t>Rule of Composition: Design programs to be connected to other programs.</a:t>
             </a:r>
@@ -13735,12 +14769,12 @@
               <a:buAutoNum type="arabicPeriod"/>
             </a:pPr>
             <a:r>
-              <a:rPr lang="en-US" b="0" i="0" dirty="0">
+              <a:rPr lang="en-US" sz="1800" b="0" i="0" dirty="0">
                 <a:solidFill>
                   <a:srgbClr val="000000"/>
                 </a:solidFill>
                 <a:effectLst/>
-                <a:latin typeface="Times New Roman" panose="02020603050405020304" pitchFamily="18" charset="0"/>
+                <a:latin typeface="+mj-lt"/>
               </a:rPr>
               <a:t>Rule of Separation: Separate policy from mechanism; separate interfaces from engines.</a:t>
             </a:r>
@@ -13751,12 +14785,12 @@
               <a:buAutoNum type="arabicPeriod"/>
             </a:pPr>
             <a:r>
-              <a:rPr lang="en-US" b="0" i="0" dirty="0">
+              <a:rPr lang="en-US" sz="1800" b="0" i="0" dirty="0">
                 <a:solidFill>
                   <a:srgbClr val="000000"/>
                 </a:solidFill>
                 <a:effectLst/>
-                <a:latin typeface="Times New Roman" panose="02020603050405020304" pitchFamily="18" charset="0"/>
+                <a:latin typeface="+mj-lt"/>
               </a:rPr>
               <a:t>Rule of Simplicity: Design for simplicity; add complexity only where you must.</a:t>
             </a:r>
@@ -13767,12 +14801,12 @@
               <a:buAutoNum type="arabicPeriod"/>
             </a:pPr>
             <a:r>
-              <a:rPr lang="en-US" b="0" i="0" dirty="0">
+              <a:rPr lang="en-US" sz="1800" b="0" i="0" dirty="0">
                 <a:solidFill>
                   <a:srgbClr val="000000"/>
                 </a:solidFill>
                 <a:effectLst/>
-                <a:latin typeface="Times New Roman" panose="02020603050405020304" pitchFamily="18" charset="0"/>
+                <a:latin typeface="+mj-lt"/>
               </a:rPr>
               <a:t>Rule of Parsimony: Write a big program only when it is clear by demonstration that nothing else will do.</a:t>
             </a:r>
@@ -13783,12 +14817,12 @@
               <a:buAutoNum type="arabicPeriod"/>
             </a:pPr>
             <a:r>
-              <a:rPr lang="en-US" b="0" i="0" dirty="0">
+              <a:rPr lang="en-US" sz="1800" b="0" i="0" dirty="0">
                 <a:solidFill>
                   <a:srgbClr val="000000"/>
                 </a:solidFill>
                 <a:effectLst/>
-                <a:latin typeface="Times New Roman" panose="02020603050405020304" pitchFamily="18" charset="0"/>
+                <a:latin typeface="+mj-lt"/>
               </a:rPr>
               <a:t>Rule of Transparency: Design for visibility to make inspection and debugging easier.</a:t>
             </a:r>
@@ -13799,12 +14833,12 @@
               <a:buAutoNum type="arabicPeriod"/>
             </a:pPr>
             <a:r>
-              <a:rPr lang="en-US" b="0" i="0" dirty="0">
+              <a:rPr lang="en-US" sz="1800" b="0" i="0" dirty="0">
                 <a:solidFill>
                   <a:srgbClr val="000000"/>
                 </a:solidFill>
                 <a:effectLst/>
-                <a:latin typeface="Times New Roman" panose="02020603050405020304" pitchFamily="18" charset="0"/>
+                <a:latin typeface="+mj-lt"/>
               </a:rPr>
               <a:t>Rule of Robustness: Robustness is the child of transparency and simplicity.</a:t>
             </a:r>
@@ -13815,142 +14849,14 @@
               <a:buAutoNum type="arabicPeriod"/>
             </a:pPr>
             <a:r>
-              <a:rPr lang="en-US" b="0" i="0" dirty="0">
+              <a:rPr lang="en-US" sz="1800" b="0" i="0" dirty="0">
                 <a:solidFill>
                   <a:srgbClr val="000000"/>
                 </a:solidFill>
                 <a:effectLst/>
-                <a:latin typeface="Times New Roman" panose="02020603050405020304" pitchFamily="18" charset="0"/>
+                <a:latin typeface="+mj-lt"/>
               </a:rPr>
               <a:t>Rule of Representation: Fold knowledge into data so program logic can be stupid and robust.</a:t>
-            </a:r>
-          </a:p>
-          <a:p>
-            <a:pPr algn="l">
-              <a:buFont typeface="+mj-lt"/>
-              <a:buAutoNum type="arabicPeriod"/>
-            </a:pPr>
-            <a:r>
-              <a:rPr lang="en-US" b="0" i="0" dirty="0">
-                <a:solidFill>
-                  <a:srgbClr val="000000"/>
-                </a:solidFill>
-                <a:effectLst/>
-                <a:latin typeface="Times New Roman" panose="02020603050405020304" pitchFamily="18" charset="0"/>
-              </a:rPr>
-              <a:t>Rule of Least Surprise: In interface design, always do the least surprising thing.</a:t>
-            </a:r>
-          </a:p>
-          <a:p>
-            <a:pPr algn="l">
-              <a:buFont typeface="+mj-lt"/>
-              <a:buAutoNum type="arabicPeriod"/>
-            </a:pPr>
-            <a:r>
-              <a:rPr lang="en-US" b="0" i="0" dirty="0">
-                <a:solidFill>
-                  <a:srgbClr val="000000"/>
-                </a:solidFill>
-                <a:effectLst/>
-                <a:latin typeface="Times New Roman" panose="02020603050405020304" pitchFamily="18" charset="0"/>
-              </a:rPr>
-              <a:t>Rule of Silence: When a program has nothing surprising to say, it should say nothing.</a:t>
-            </a:r>
-          </a:p>
-          <a:p>
-            <a:pPr algn="l">
-              <a:buFont typeface="+mj-lt"/>
-              <a:buAutoNum type="arabicPeriod"/>
-            </a:pPr>
-            <a:r>
-              <a:rPr lang="en-US" b="0" i="0" dirty="0">
-                <a:solidFill>
-                  <a:srgbClr val="000000"/>
-                </a:solidFill>
-                <a:effectLst/>
-                <a:latin typeface="Times New Roman" panose="02020603050405020304" pitchFamily="18" charset="0"/>
-              </a:rPr>
-              <a:t>Rule of Repair: When you must fail, fail noisily and as soon as possible.</a:t>
-            </a:r>
-          </a:p>
-          <a:p>
-            <a:pPr algn="l">
-              <a:buFont typeface="+mj-lt"/>
-              <a:buAutoNum type="arabicPeriod"/>
-            </a:pPr>
-            <a:r>
-              <a:rPr lang="en-US" b="0" i="0" dirty="0">
-                <a:solidFill>
-                  <a:srgbClr val="000000"/>
-                </a:solidFill>
-                <a:effectLst/>
-                <a:latin typeface="Times New Roman" panose="02020603050405020304" pitchFamily="18" charset="0"/>
-              </a:rPr>
-              <a:t>Rule of Economy: Programmer time is expensive; conserve it in preference to machine time.</a:t>
-            </a:r>
-          </a:p>
-          <a:p>
-            <a:pPr algn="l">
-              <a:buFont typeface="+mj-lt"/>
-              <a:buAutoNum type="arabicPeriod"/>
-            </a:pPr>
-            <a:r>
-              <a:rPr lang="en-US" b="0" i="0" dirty="0">
-                <a:solidFill>
-                  <a:srgbClr val="000000"/>
-                </a:solidFill>
-                <a:effectLst/>
-                <a:latin typeface="Times New Roman" panose="02020603050405020304" pitchFamily="18" charset="0"/>
-              </a:rPr>
-              <a:t>Rule of Generation: Avoid hand-hacking; write programs to write programs when you can.</a:t>
-            </a:r>
-          </a:p>
-          <a:p>
-            <a:pPr algn="l">
-              <a:buFont typeface="+mj-lt"/>
-              <a:buAutoNum type="arabicPeriod"/>
-            </a:pPr>
-            <a:r>
-              <a:rPr lang="en-US" b="0" i="0" dirty="0">
-                <a:solidFill>
-                  <a:srgbClr val="000000"/>
-                </a:solidFill>
-                <a:effectLst/>
-                <a:latin typeface="Times New Roman" panose="02020603050405020304" pitchFamily="18" charset="0"/>
-              </a:rPr>
-              <a:t>Rule of Optimization: Prototype before polishing. Get it working before you optimize it.</a:t>
-            </a:r>
-          </a:p>
-          <a:p>
-            <a:pPr algn="l">
-              <a:buFont typeface="+mj-lt"/>
-              <a:buAutoNum type="arabicPeriod"/>
-            </a:pPr>
-            <a:r>
-              <a:rPr lang="en-US" b="0" i="0" dirty="0">
-                <a:solidFill>
-                  <a:srgbClr val="000000"/>
-                </a:solidFill>
-                <a:effectLst/>
-                <a:latin typeface="Times New Roman" panose="02020603050405020304" pitchFamily="18" charset="0"/>
-              </a:rPr>
-              <a:t>Rule of Diversity: Distrust all claims for “one true way”.</a:t>
-            </a:r>
-          </a:p>
-          <a:p>
-            <a:pPr algn="l">
-              <a:buFont typeface="+mj-lt"/>
-              <a:buAutoNum type="arabicPeriod"/>
-            </a:pPr>
-            <a:r>
-              <a:rPr lang="en-US" b="0" i="0" dirty="0">
-                <a:solidFill>
-                  <a:srgbClr val="000000"/>
-                </a:solidFill>
-                <a:effectLst/>
-                <a:latin typeface="Times New Roman" panose="02020603050405020304" pitchFamily="18" charset="0"/>
-              </a:rPr>
-              <a:t>Rule of Extensibility: Design for the future, because it will be here sooner than you think.</a:t>
             </a:r>
           </a:p>
         </p:txBody>
@@ -13977,7 +14883,7 @@
         </p:blipFill>
         <p:spPr>
           <a:xfrm>
-            <a:off x="8448676" y="2308049"/>
+            <a:off x="8770324" y="2298859"/>
             <a:ext cx="2307294" cy="3068837"/>
           </a:xfrm>
           <a:prstGeom prst="rect">
